--- a/slides/semaphores_waitqs_kernel_api.pptx
+++ b/slides/semaphores_waitqs_kernel_api.pptx
@@ -1,22 +1,22 @@
 
 <file path=ppt/presentation.xml><?xml version="1.0" encoding="utf-8"?>
-<p:presentation xmlns:a="http://schemas.openxmlformats.org/drawingml/2006/main" xmlns:r="http://schemas.openxmlformats.org/officeDocument/2006/relationships" xmlns:p="http://schemas.openxmlformats.org/presentationml/2006/main">
+<p:presentation xmlns:a="http://schemas.openxmlformats.org/drawingml/2006/main" xmlns:r="http://schemas.openxmlformats.org/officeDocument/2006/relationships" xmlns:p="http://schemas.openxmlformats.org/presentationml/2006/main" saveSubsetFonts="1">
   <p:sldMasterIdLst>
-    <p:sldMasterId id="2147483648" r:id="rId5"/>
+    <p:sldMasterId id="2147483648" r:id="rId1"/>
   </p:sldMasterIdLst>
   <p:notesMasterIdLst>
-    <p:notesMasterId r:id="rId7"/>
+    <p:notesMasterId r:id="rId9"/>
   </p:notesMasterIdLst>
   <p:sldIdLst>
-    <p:sldId id="256" r:id="rId8"/>
-    <p:sldId id="257" r:id="rId9"/>
-    <p:sldId id="258" r:id="rId10"/>
-    <p:sldId id="259" r:id="rId11"/>
-    <p:sldId id="260" r:id="rId12"/>
-    <p:sldId id="261" r:id="rId13"/>
-    <p:sldId id="262" r:id="rId14"/>
+    <p:sldId id="256" r:id="rId2"/>
+    <p:sldId id="257" r:id="rId3"/>
+    <p:sldId id="258" r:id="rId4"/>
+    <p:sldId id="259" r:id="rId5"/>
+    <p:sldId id="260" r:id="rId6"/>
+    <p:sldId id="261" r:id="rId7"/>
+    <p:sldId id="262" r:id="rId8"/>
   </p:sldIdLst>
-  <p:sldSz cx="9144000" cy="5143500"/>
+  <p:sldSz cx="9144000" cy="5143500" type="screen16x9"/>
   <p:notesSz cx="6858000" cy="9144000"/>
   <p:defaultTextStyle>
     <a:defPPr marL="0" marR="0" indent="0" algn="l" defTabSz="914400" rtl="0" fontAlgn="auto" latinLnBrk="1" hangingPunct="0">
@@ -34,7 +34,7 @@
       <a:buFontTx/>
       <a:buNone/>
       <a:tabLst/>
-      <a:defRPr b="0" baseline="0" cap="none" i="0" spc="0" strike="noStrike" sz="1800" u="none" kumimoji="0" normalizeH="0">
+      <a:defRPr kumimoji="0" sz="1800" b="0" i="0" u="none" strike="noStrike" cap="none" spc="0" normalizeH="0" baseline="0">
         <a:ln>
           <a:noFill/>
         </a:ln>
@@ -60,7 +60,7 @@
       <a:buFontTx/>
       <a:buNone/>
       <a:tabLst/>
-      <a:defRPr b="0" baseline="0" cap="none" i="0" spc="0" strike="noStrike" sz="1400" u="none" kumimoji="0" normalizeH="0">
+      <a:defRPr kumimoji="0" sz="1400" b="0" i="0" u="none" strike="noStrike" cap="none" spc="0" normalizeH="0" baseline="0">
         <a:ln>
           <a:noFill/>
         </a:ln>
@@ -90,7 +90,7 @@
       <a:buFontTx/>
       <a:buNone/>
       <a:tabLst/>
-      <a:defRPr b="0" baseline="0" cap="none" i="0" spc="0" strike="noStrike" sz="1400" u="none" kumimoji="0" normalizeH="0">
+      <a:defRPr kumimoji="0" sz="1400" b="0" i="0" u="none" strike="noStrike" cap="none" spc="0" normalizeH="0" baseline="0">
         <a:ln>
           <a:noFill/>
         </a:ln>
@@ -120,7 +120,7 @@
       <a:buFontTx/>
       <a:buNone/>
       <a:tabLst/>
-      <a:defRPr b="0" baseline="0" cap="none" i="0" spc="0" strike="noStrike" sz="1400" u="none" kumimoji="0" normalizeH="0">
+      <a:defRPr kumimoji="0" sz="1400" b="0" i="0" u="none" strike="noStrike" cap="none" spc="0" normalizeH="0" baseline="0">
         <a:ln>
           <a:noFill/>
         </a:ln>
@@ -150,7 +150,7 @@
       <a:buFontTx/>
       <a:buNone/>
       <a:tabLst/>
-      <a:defRPr b="0" baseline="0" cap="none" i="0" spc="0" strike="noStrike" sz="1400" u="none" kumimoji="0" normalizeH="0">
+      <a:defRPr kumimoji="0" sz="1400" b="0" i="0" u="none" strike="noStrike" cap="none" spc="0" normalizeH="0" baseline="0">
         <a:ln>
           <a:noFill/>
         </a:ln>
@@ -180,7 +180,7 @@
       <a:buFontTx/>
       <a:buNone/>
       <a:tabLst/>
-      <a:defRPr b="0" baseline="0" cap="none" i="0" spc="0" strike="noStrike" sz="1400" u="none" kumimoji="0" normalizeH="0">
+      <a:defRPr kumimoji="0" sz="1400" b="0" i="0" u="none" strike="noStrike" cap="none" spc="0" normalizeH="0" baseline="0">
         <a:ln>
           <a:noFill/>
         </a:ln>
@@ -210,7 +210,7 @@
       <a:buFontTx/>
       <a:buNone/>
       <a:tabLst/>
-      <a:defRPr b="0" baseline="0" cap="none" i="0" spc="0" strike="noStrike" sz="1400" u="none" kumimoji="0" normalizeH="0">
+      <a:defRPr kumimoji="0" sz="1400" b="0" i="0" u="none" strike="noStrike" cap="none" spc="0" normalizeH="0" baseline="0">
         <a:ln>
           <a:noFill/>
         </a:ln>
@@ -240,7 +240,7 @@
       <a:buFontTx/>
       <a:buNone/>
       <a:tabLst/>
-      <a:defRPr b="0" baseline="0" cap="none" i="0" spc="0" strike="noStrike" sz="1400" u="none" kumimoji="0" normalizeH="0">
+      <a:defRPr kumimoji="0" sz="1400" b="0" i="0" u="none" strike="noStrike" cap="none" spc="0" normalizeH="0" baseline="0">
         <a:ln>
           <a:noFill/>
         </a:ln>
@@ -270,7 +270,7 @@
       <a:buFontTx/>
       <a:buNone/>
       <a:tabLst/>
-      <a:defRPr b="0" baseline="0" cap="none" i="0" spc="0" strike="noStrike" sz="1400" u="none" kumimoji="0" normalizeH="0">
+      <a:defRPr kumimoji="0" sz="1400" b="0" i="0" u="none" strike="noStrike" cap="none" spc="0" normalizeH="0" baseline="0">
         <a:ln>
           <a:noFill/>
         </a:ln>
@@ -300,7 +300,7 @@
       <a:buFontTx/>
       <a:buNone/>
       <a:tabLst/>
-      <a:defRPr b="0" baseline="0" cap="none" i="0" spc="0" strike="noStrike" sz="1400" u="none" kumimoji="0" normalizeH="0">
+      <a:defRPr kumimoji="0" sz="1400" b="0" i="0" u="none" strike="noStrike" cap="none" spc="0" normalizeH="0" baseline="0">
         <a:ln>
           <a:noFill/>
         </a:ln>
@@ -319,13 +319,14 @@
 </p:presentation>
 </file>
 
-<file path=ppt/commentAuthors.xml><?xml version="1.0" encoding="utf-8"?>
-<p:cmAuthorLst xmlns:a="http://schemas.openxmlformats.org/drawingml/2006/main" xmlns:r="http://schemas.openxmlformats.org/officeDocument/2006/relationships" xmlns:p="http://schemas.openxmlformats.org/presentationml/2006/main"/>
-</file>
-
 <file path=ppt/notesMasters/notesMaster1.xml><?xml version="1.0" encoding="utf-8"?>
 <p:notesMaster xmlns:a="http://schemas.openxmlformats.org/drawingml/2006/main" xmlns:r="http://schemas.openxmlformats.org/officeDocument/2006/relationships" xmlns:p="http://schemas.openxmlformats.org/presentationml/2006/main">
   <p:cSld>
+    <p:bg>
+      <p:bgRef idx="1001">
+        <a:schemeClr val="bg1"/>
+      </p:bgRef>
+    </p:bg>
     <p:spTree>
       <p:nvGrpSpPr>
         <p:cNvPr id="1" name=""/>
@@ -343,7 +344,9 @@
       <p:sp>
         <p:nvSpPr>
           <p:cNvPr id="28" name="Shape 28"/>
-          <p:cNvSpPr/>
+          <p:cNvSpPr>
+            <a:spLocks noGrp="1" noRot="1" noChangeAspect="1"/>
+          </p:cNvSpPr>
           <p:nvPr>
             <p:ph type="sldImg"/>
           </p:nvPr>
@@ -361,14 +364,16 @@
           <a:bodyPr/>
           <a:lstStyle/>
           <a:p>
-            <a:pPr/>
+            <a:endParaRPr/>
           </a:p>
         </p:txBody>
       </p:sp>
       <p:sp>
         <p:nvSpPr>
           <p:cNvPr id="29" name="Shape 29"/>
-          <p:cNvSpPr/>
+          <p:cNvSpPr>
+            <a:spLocks noGrp="1"/>
+          </p:cNvSpPr>
           <p:nvPr>
             <p:ph type="body" sz="quarter" idx="1"/>
           </p:nvPr>
@@ -386,7 +391,7 @@
           <a:bodyPr/>
           <a:lstStyle/>
           <a:p>
-            <a:pPr/>
+            <a:endParaRPr/>
           </a:p>
         </p:txBody>
       </p:sp>
@@ -471,7 +476,7 @@
 </file>
 
 <file path=ppt/slideLayouts/slideLayout1.xml><?xml version="1.0" encoding="utf-8"?>
-<p:sldLayout xmlns:a="http://schemas.openxmlformats.org/drawingml/2006/main" xmlns:r="http://schemas.openxmlformats.org/officeDocument/2006/relationships" xmlns:p="http://schemas.openxmlformats.org/presentationml/2006/main" type="title" showMasterSp="1" showMasterPhAnim="1">
+<p:sldLayout xmlns:a="http://schemas.openxmlformats.org/drawingml/2006/main" xmlns:r="http://schemas.openxmlformats.org/officeDocument/2006/relationships" xmlns:p="http://schemas.openxmlformats.org/presentationml/2006/main" type="title">
   <p:cSld name="Title slide">
     <p:spTree>
       <p:nvGrpSpPr>
@@ -490,7 +495,9 @@
       <p:sp>
         <p:nvSpPr>
           <p:cNvPr id="11" name="Shape 11"/>
-          <p:cNvSpPr/>
+          <p:cNvSpPr>
+            <a:spLocks noGrp="1"/>
+          </p:cNvSpPr>
           <p:nvPr>
             <p:ph type="title"/>
           </p:nvPr>
@@ -512,7 +519,6 @@
             </a:lvl1pPr>
           </a:lstStyle>
           <a:p>
-            <a:pPr/>
             <a:r>
               <a:t>Click to add title</a:t>
             </a:r>
@@ -522,7 +528,9 @@
       <p:sp>
         <p:nvSpPr>
           <p:cNvPr id="12" name="Shape 12"/>
-          <p:cNvSpPr/>
+          <p:cNvSpPr>
+            <a:spLocks noGrp="1"/>
+          </p:cNvSpPr>
           <p:nvPr>
             <p:ph type="body" sz="quarter" idx="1"/>
           </p:nvPr>
@@ -548,7 +556,6 @@
             </a:lvl1pPr>
           </a:lstStyle>
           <a:p>
-            <a:pPr/>
             <a:r>
               <a:t>Click to add subtitle</a:t>
             </a:r>
@@ -558,7 +565,9 @@
       <p:sp>
         <p:nvSpPr>
           <p:cNvPr id="13" name="Shape 13"/>
-          <p:cNvSpPr/>
+          <p:cNvSpPr>
+            <a:spLocks noGrp="1"/>
+          </p:cNvSpPr>
           <p:nvPr>
             <p:ph type="sldNum" sz="quarter" idx="2"/>
           </p:nvPr>
@@ -572,8 +581,10 @@
           <a:bodyPr/>
           <a:lstStyle/>
           <a:p>
-            <a:pPr/>
-            <a:fld id="{86CB4B4D-7CA3-9044-876B-883B54F8677D}" type="slidenum"/>
+            <a:fld id="{86CB4B4D-7CA3-9044-876B-883B54F8677D}" type="slidenum">
+              <a:t>‹#›</a:t>
+            </a:fld>
+            <a:endParaRPr/>
           </a:p>
         </p:txBody>
       </p:sp>
@@ -582,12 +593,12 @@
   <p:clrMapOvr>
     <a:masterClrMapping/>
   </p:clrMapOvr>
-  <p:transition xmlns:p14="http://schemas.microsoft.com/office/powerpoint/2010/main" spd="med" advClick="1"/>
+  <p:transition spd="med"/>
 </p:sldLayout>
 </file>
 
 <file path=ppt/slideLayouts/slideLayout2.xml><?xml version="1.0" encoding="utf-8"?>
-<p:sldLayout xmlns:a="http://schemas.openxmlformats.org/drawingml/2006/main" xmlns:r="http://schemas.openxmlformats.org/officeDocument/2006/relationships" xmlns:p="http://schemas.openxmlformats.org/presentationml/2006/main" type="tx" showMasterSp="1" showMasterPhAnim="1">
+<p:sldLayout xmlns:a="http://schemas.openxmlformats.org/drawingml/2006/main" xmlns:r="http://schemas.openxmlformats.org/officeDocument/2006/relationships" xmlns:p="http://schemas.openxmlformats.org/presentationml/2006/main" type="tx">
   <p:cSld name="Title and body">
     <p:spTree>
       <p:nvGrpSpPr>
@@ -606,7 +617,9 @@
       <p:sp>
         <p:nvSpPr>
           <p:cNvPr id="20" name="Shape 20"/>
-          <p:cNvSpPr/>
+          <p:cNvSpPr>
+            <a:spLocks noGrp="1"/>
+          </p:cNvSpPr>
           <p:nvPr>
             <p:ph type="title"/>
           </p:nvPr>
@@ -620,7 +633,6 @@
           <a:bodyPr/>
           <a:lstStyle/>
           <a:p>
-            <a:pPr/>
             <a:r>
               <a:t>Click to add title</a:t>
             </a:r>
@@ -630,7 +642,9 @@
       <p:sp>
         <p:nvSpPr>
           <p:cNvPr id="21" name="Shape 21"/>
-          <p:cNvSpPr/>
+          <p:cNvSpPr>
+            <a:spLocks noGrp="1"/>
+          </p:cNvSpPr>
           <p:nvPr>
             <p:ph type="body" idx="1"/>
           </p:nvPr>
@@ -644,7 +658,6 @@
           <a:bodyPr/>
           <a:lstStyle/>
           <a:p>
-            <a:pPr/>
             <a:r>
               <a:t>Click to add text</a:t>
             </a:r>
@@ -654,7 +667,9 @@
       <p:sp>
         <p:nvSpPr>
           <p:cNvPr id="22" name="Shape 22"/>
-          <p:cNvSpPr/>
+          <p:cNvSpPr>
+            <a:spLocks noGrp="1"/>
+          </p:cNvSpPr>
           <p:nvPr>
             <p:ph type="sldNum" sz="quarter" idx="2"/>
           </p:nvPr>
@@ -668,8 +683,10 @@
           <a:bodyPr/>
           <a:lstStyle/>
           <a:p>
-            <a:pPr/>
-            <a:fld id="{86CB4B4D-7CA3-9044-876B-883B54F8677D}" type="slidenum"/>
+            <a:fld id="{86CB4B4D-7CA3-9044-876B-883B54F8677D}" type="slidenum">
+              <a:t>‹#›</a:t>
+            </a:fld>
+            <a:endParaRPr/>
           </a:p>
         </p:txBody>
       </p:sp>
@@ -678,7 +695,7 @@
   <p:clrMapOvr>
     <a:masterClrMapping/>
   </p:clrMapOvr>
-  <p:transition xmlns:p14="http://schemas.microsoft.com/office/powerpoint/2010/main" spd="med" advClick="1"/>
+  <p:transition spd="med"/>
 </p:sldLayout>
 </file>
 
@@ -690,6 +707,7 @@
         <a:solidFill>
           <a:srgbClr val="FFFFFF"/>
         </a:solidFill>
+        <a:effectLst/>
       </p:bgPr>
     </p:bg>
     <p:spTree>
@@ -709,7 +727,9 @@
       <p:sp>
         <p:nvSpPr>
           <p:cNvPr id="2" name="Shape 2"/>
-          <p:cNvSpPr/>
+          <p:cNvSpPr>
+            <a:spLocks noGrp="1"/>
+          </p:cNvSpPr>
           <p:nvPr>
             <p:ph type="title"/>
           </p:nvPr>
@@ -733,11 +753,10 @@
         </p:spPr>
         <p:txBody>
           <a:bodyPr lIns="91424" tIns="91424" rIns="91424" bIns="91424" anchor="b">
-            <a:normAutofit fontScale="100000" lnSpcReduction="0"/>
+            <a:normAutofit/>
           </a:bodyPr>
           <a:lstStyle/>
           <a:p>
-            <a:pPr/>
             <a:r>
               <a:t>Click to add title</a:t>
             </a:r>
@@ -747,7 +766,9 @@
       <p:sp>
         <p:nvSpPr>
           <p:cNvPr id="3" name="Shape 3"/>
-          <p:cNvSpPr/>
+          <p:cNvSpPr>
+            <a:spLocks noGrp="1"/>
+          </p:cNvSpPr>
           <p:nvPr>
             <p:ph type="body" idx="1"/>
           </p:nvPr>
@@ -771,11 +792,10 @@
         </p:spPr>
         <p:txBody>
           <a:bodyPr lIns="91424" tIns="91424" rIns="91424" bIns="91424">
-            <a:normAutofit fontScale="100000" lnSpcReduction="0"/>
+            <a:normAutofit/>
           </a:bodyPr>
           <a:lstStyle/>
           <a:p>
-            <a:pPr/>
             <a:r>
               <a:t>Click to add text</a:t>
             </a:r>
@@ -785,7 +805,9 @@
       <p:sp>
         <p:nvSpPr>
           <p:cNvPr id="4" name="Shape 4"/>
-          <p:cNvSpPr/>
+          <p:cNvSpPr>
+            <a:spLocks noGrp="1"/>
+          </p:cNvSpPr>
           <p:nvPr>
             <p:ph type="sldNum" sz="quarter" idx="2"/>
           </p:nvPr>
@@ -812,8 +834,10 @@
             </a:lvl1pPr>
           </a:lstStyle>
           <a:p>
-            <a:pPr/>
-            <a:fld id="{86CB4B4D-7CA3-9044-876B-883B54F8677D}" type="slidenum"/>
+            <a:fld id="{86CB4B4D-7CA3-9044-876B-883B54F8677D}" type="slidenum">
+              <a:t>‹#›</a:t>
+            </a:fld>
+            <a:endParaRPr/>
           </a:p>
         </p:txBody>
       </p:sp>
@@ -821,10 +845,10 @@
   </p:cSld>
   <p:clrMap bg1="lt1" tx1="dk1" bg2="lt2" tx2="dk2" accent1="accent1" accent2="accent2" accent3="accent3" accent4="accent4" accent5="accent5" accent6="accent6" hlink="hlink" folHlink="folHlink"/>
   <p:sldLayoutIdLst>
-    <p:sldLayoutId id="2147483649" r:id="rId2"/>
-    <p:sldLayoutId id="2147483650" r:id="rId3"/>
+    <p:sldLayoutId id="2147483649" r:id="rId1"/>
+    <p:sldLayoutId id="2147483650" r:id="rId2"/>
   </p:sldLayoutIdLst>
-  <p:transition xmlns:p14="http://schemas.microsoft.com/office/powerpoint/2010/main" spd="med" advClick="1"/>
+  <p:transition spd="med"/>
   <p:txStyles>
     <p:titleStyle>
       <a:lvl1pPr marL="0" marR="0" indent="0" algn="l" defTabSz="914400" latinLnBrk="0">
@@ -842,7 +866,7 @@
         <a:buFontTx/>
         <a:buNone/>
         <a:tabLst/>
-        <a:defRPr b="0" baseline="0" cap="none" i="0" spc="0" strike="noStrike" sz="4000" u="none">
+        <a:defRPr sz="4000" b="0" i="0" u="none" strike="noStrike" cap="none" spc="0" baseline="0">
           <a:ln>
             <a:noFill/>
           </a:ln>
@@ -871,7 +895,7 @@
         <a:buFontTx/>
         <a:buNone/>
         <a:tabLst/>
-        <a:defRPr b="0" baseline="0" cap="none" i="0" spc="0" strike="noStrike" sz="4000" u="none">
+        <a:defRPr sz="4000" b="0" i="0" u="none" strike="noStrike" cap="none" spc="0" baseline="0">
           <a:ln>
             <a:noFill/>
           </a:ln>
@@ -900,7 +924,7 @@
         <a:buFontTx/>
         <a:buNone/>
         <a:tabLst/>
-        <a:defRPr b="0" baseline="0" cap="none" i="0" spc="0" strike="noStrike" sz="4000" u="none">
+        <a:defRPr sz="4000" b="0" i="0" u="none" strike="noStrike" cap="none" spc="0" baseline="0">
           <a:ln>
             <a:noFill/>
           </a:ln>
@@ -929,7 +953,7 @@
         <a:buFontTx/>
         <a:buNone/>
         <a:tabLst/>
-        <a:defRPr b="0" baseline="0" cap="none" i="0" spc="0" strike="noStrike" sz="4000" u="none">
+        <a:defRPr sz="4000" b="0" i="0" u="none" strike="noStrike" cap="none" spc="0" baseline="0">
           <a:ln>
             <a:noFill/>
           </a:ln>
@@ -958,7 +982,7 @@
         <a:buFontTx/>
         <a:buNone/>
         <a:tabLst/>
-        <a:defRPr b="0" baseline="0" cap="none" i="0" spc="0" strike="noStrike" sz="4000" u="none">
+        <a:defRPr sz="4000" b="0" i="0" u="none" strike="noStrike" cap="none" spc="0" baseline="0">
           <a:ln>
             <a:noFill/>
           </a:ln>
@@ -987,7 +1011,7 @@
         <a:buFontTx/>
         <a:buNone/>
         <a:tabLst/>
-        <a:defRPr b="0" baseline="0" cap="none" i="0" spc="0" strike="noStrike" sz="4000" u="none">
+        <a:defRPr sz="4000" b="0" i="0" u="none" strike="noStrike" cap="none" spc="0" baseline="0">
           <a:ln>
             <a:noFill/>
           </a:ln>
@@ -1016,7 +1040,7 @@
         <a:buFontTx/>
         <a:buNone/>
         <a:tabLst/>
-        <a:defRPr b="0" baseline="0" cap="none" i="0" spc="0" strike="noStrike" sz="4000" u="none">
+        <a:defRPr sz="4000" b="0" i="0" u="none" strike="noStrike" cap="none" spc="0" baseline="0">
           <a:ln>
             <a:noFill/>
           </a:ln>
@@ -1045,7 +1069,7 @@
         <a:buFontTx/>
         <a:buNone/>
         <a:tabLst/>
-        <a:defRPr b="0" baseline="0" cap="none" i="0" spc="0" strike="noStrike" sz="4000" u="none">
+        <a:defRPr sz="4000" b="0" i="0" u="none" strike="noStrike" cap="none" spc="0" baseline="0">
           <a:ln>
             <a:noFill/>
           </a:ln>
@@ -1074,7 +1098,7 @@
         <a:buFontTx/>
         <a:buNone/>
         <a:tabLst/>
-        <a:defRPr b="0" baseline="0" cap="none" i="0" spc="0" strike="noStrike" sz="4000" u="none">
+        <a:defRPr sz="4000" b="0" i="0" u="none" strike="noStrike" cap="none" spc="0" baseline="0">
           <a:ln>
             <a:noFill/>
           </a:ln>
@@ -1105,7 +1129,7 @@
         <a:buFontTx/>
         <a:buNone/>
         <a:tabLst/>
-        <a:defRPr b="0" baseline="0" cap="none" i="0" spc="0" strike="noStrike" sz="3000" u="none">
+        <a:defRPr sz="3000" b="0" i="0" u="none" strike="noStrike" cap="none" spc="0" baseline="0">
           <a:ln>
             <a:noFill/>
           </a:ln>
@@ -1134,7 +1158,7 @@
         <a:buFontTx/>
         <a:buNone/>
         <a:tabLst/>
-        <a:defRPr b="0" baseline="0" cap="none" i="0" spc="0" strike="noStrike" sz="3000" u="none">
+        <a:defRPr sz="3000" b="0" i="0" u="none" strike="noStrike" cap="none" spc="0" baseline="0">
           <a:ln>
             <a:noFill/>
           </a:ln>
@@ -1163,7 +1187,7 @@
         <a:buFontTx/>
         <a:buNone/>
         <a:tabLst/>
-        <a:defRPr b="0" baseline="0" cap="none" i="0" spc="0" strike="noStrike" sz="3000" u="none">
+        <a:defRPr sz="3000" b="0" i="0" u="none" strike="noStrike" cap="none" spc="0" baseline="0">
           <a:ln>
             <a:noFill/>
           </a:ln>
@@ -1192,7 +1216,7 @@
         <a:buFontTx/>
         <a:buNone/>
         <a:tabLst/>
-        <a:defRPr b="0" baseline="0" cap="none" i="0" spc="0" strike="noStrike" sz="3000" u="none">
+        <a:defRPr sz="3000" b="0" i="0" u="none" strike="noStrike" cap="none" spc="0" baseline="0">
           <a:ln>
             <a:noFill/>
           </a:ln>
@@ -1221,7 +1245,7 @@
         <a:buFontTx/>
         <a:buNone/>
         <a:tabLst/>
-        <a:defRPr b="0" baseline="0" cap="none" i="0" spc="0" strike="noStrike" sz="3000" u="none">
+        <a:defRPr sz="3000" b="0" i="0" u="none" strike="noStrike" cap="none" spc="0" baseline="0">
           <a:ln>
             <a:noFill/>
           </a:ln>
@@ -1250,7 +1274,7 @@
         <a:buFontTx/>
         <a:buNone/>
         <a:tabLst/>
-        <a:defRPr b="0" baseline="0" cap="none" i="0" spc="0" strike="noStrike" sz="3000" u="none">
+        <a:defRPr sz="3000" b="0" i="0" u="none" strike="noStrike" cap="none" spc="0" baseline="0">
           <a:ln>
             <a:noFill/>
           </a:ln>
@@ -1279,7 +1303,7 @@
         <a:buFontTx/>
         <a:buNone/>
         <a:tabLst/>
-        <a:defRPr b="0" baseline="0" cap="none" i="0" spc="0" strike="noStrike" sz="3000" u="none">
+        <a:defRPr sz="3000" b="0" i="0" u="none" strike="noStrike" cap="none" spc="0" baseline="0">
           <a:ln>
             <a:noFill/>
           </a:ln>
@@ -1308,7 +1332,7 @@
         <a:buFontTx/>
         <a:buNone/>
         <a:tabLst/>
-        <a:defRPr b="0" baseline="0" cap="none" i="0" spc="0" strike="noStrike" sz="3000" u="none">
+        <a:defRPr sz="3000" b="0" i="0" u="none" strike="noStrike" cap="none" spc="0" baseline="0">
           <a:ln>
             <a:noFill/>
           </a:ln>
@@ -1337,7 +1361,7 @@
         <a:buFontTx/>
         <a:buNone/>
         <a:tabLst/>
-        <a:defRPr b="0" baseline="0" cap="none" i="0" spc="0" strike="noStrike" sz="3000" u="none">
+        <a:defRPr sz="3000" b="0" i="0" u="none" strike="noStrike" cap="none" spc="0" baseline="0">
           <a:ln>
             <a:noFill/>
           </a:ln>
@@ -1368,7 +1392,7 @@
         <a:buFontTx/>
         <a:buNone/>
         <a:tabLst/>
-        <a:defRPr b="0" baseline="0" cap="none" i="0" spc="0" strike="noStrike" sz="1300" u="none">
+        <a:defRPr sz="1300" b="0" i="0" u="none" strike="noStrike" cap="none" spc="0" baseline="0">
           <a:ln>
             <a:noFill/>
           </a:ln>
@@ -1397,7 +1421,7 @@
         <a:buFontTx/>
         <a:buNone/>
         <a:tabLst/>
-        <a:defRPr b="0" baseline="0" cap="none" i="0" spc="0" strike="noStrike" sz="1300" u="none">
+        <a:defRPr sz="1300" b="0" i="0" u="none" strike="noStrike" cap="none" spc="0" baseline="0">
           <a:ln>
             <a:noFill/>
           </a:ln>
@@ -1426,7 +1450,7 @@
         <a:buFontTx/>
         <a:buNone/>
         <a:tabLst/>
-        <a:defRPr b="0" baseline="0" cap="none" i="0" spc="0" strike="noStrike" sz="1300" u="none">
+        <a:defRPr sz="1300" b="0" i="0" u="none" strike="noStrike" cap="none" spc="0" baseline="0">
           <a:ln>
             <a:noFill/>
           </a:ln>
@@ -1455,7 +1479,7 @@
         <a:buFontTx/>
         <a:buNone/>
         <a:tabLst/>
-        <a:defRPr b="0" baseline="0" cap="none" i="0" spc="0" strike="noStrike" sz="1300" u="none">
+        <a:defRPr sz="1300" b="0" i="0" u="none" strike="noStrike" cap="none" spc="0" baseline="0">
           <a:ln>
             <a:noFill/>
           </a:ln>
@@ -1484,7 +1508,7 @@
         <a:buFontTx/>
         <a:buNone/>
         <a:tabLst/>
-        <a:defRPr b="0" baseline="0" cap="none" i="0" spc="0" strike="noStrike" sz="1300" u="none">
+        <a:defRPr sz="1300" b="0" i="0" u="none" strike="noStrike" cap="none" spc="0" baseline="0">
           <a:ln>
             <a:noFill/>
           </a:ln>
@@ -1513,7 +1537,7 @@
         <a:buFontTx/>
         <a:buNone/>
         <a:tabLst/>
-        <a:defRPr b="0" baseline="0" cap="none" i="0" spc="0" strike="noStrike" sz="1300" u="none">
+        <a:defRPr sz="1300" b="0" i="0" u="none" strike="noStrike" cap="none" spc="0" baseline="0">
           <a:ln>
             <a:noFill/>
           </a:ln>
@@ -1542,7 +1566,7 @@
         <a:buFontTx/>
         <a:buNone/>
         <a:tabLst/>
-        <a:defRPr b="0" baseline="0" cap="none" i="0" spc="0" strike="noStrike" sz="1300" u="none">
+        <a:defRPr sz="1300" b="0" i="0" u="none" strike="noStrike" cap="none" spc="0" baseline="0">
           <a:ln>
             <a:noFill/>
           </a:ln>
@@ -1571,7 +1595,7 @@
         <a:buFontTx/>
         <a:buNone/>
         <a:tabLst/>
-        <a:defRPr b="0" baseline="0" cap="none" i="0" spc="0" strike="noStrike" sz="1300" u="none">
+        <a:defRPr sz="1300" b="0" i="0" u="none" strike="noStrike" cap="none" spc="0" baseline="0">
           <a:ln>
             <a:noFill/>
           </a:ln>
@@ -1600,7 +1624,7 @@
         <a:buFontTx/>
         <a:buNone/>
         <a:tabLst/>
-        <a:defRPr b="0" baseline="0" cap="none" i="0" spc="0" strike="noStrike" sz="1300" u="none">
+        <a:defRPr sz="1300" b="0" i="0" u="none" strike="noStrike" cap="none" spc="0" baseline="0">
           <a:ln>
             <a:noFill/>
           </a:ln>
@@ -1620,7 +1644,7 @@
 </file>
 
 <file path=ppt/slides/slide1.xml><?xml version="1.0" encoding="utf-8"?>
-<p:sld xmlns:a="http://schemas.openxmlformats.org/drawingml/2006/main" xmlns:r="http://schemas.openxmlformats.org/officeDocument/2006/relationships" xmlns:p="http://schemas.openxmlformats.org/presentationml/2006/main" showMasterSp="1" showMasterPhAnim="1">
+<p:sld xmlns:a="http://schemas.openxmlformats.org/drawingml/2006/main" xmlns:r="http://schemas.openxmlformats.org/officeDocument/2006/relationships" xmlns:p="http://schemas.openxmlformats.org/presentationml/2006/main">
   <p:cSld>
     <p:spTree>
       <p:nvGrpSpPr>
@@ -1639,7 +1663,9 @@
       <p:sp>
         <p:nvSpPr>
           <p:cNvPr id="31" name="Shape 31"/>
-          <p:cNvSpPr/>
+          <p:cNvSpPr>
+            <a:spLocks noGrp="1"/>
+          </p:cNvSpPr>
           <p:nvPr>
             <p:ph type="ctrTitle"/>
           </p:nvPr>
@@ -1661,7 +1687,6 @@
             </a:lvl1pPr>
           </a:lstStyle>
           <a:p>
-            <a:pPr/>
             <a:r>
               <a:t>Using semaphores and waitqs in kernel </a:t>
             </a:r>
@@ -1673,12 +1698,12 @@
   <p:clrMapOvr>
     <a:masterClrMapping/>
   </p:clrMapOvr>
-  <p:transition xmlns:p14="http://schemas.microsoft.com/office/powerpoint/2010/main" spd="med" advClick="1"/>
+  <p:transition spd="med"/>
 </p:sld>
 </file>
 
 <file path=ppt/slides/slide2.xml><?xml version="1.0" encoding="utf-8"?>
-<p:sld xmlns:a="http://schemas.openxmlformats.org/drawingml/2006/main" xmlns:r="http://schemas.openxmlformats.org/officeDocument/2006/relationships" xmlns:p="http://schemas.openxmlformats.org/presentationml/2006/main" showMasterSp="1" showMasterPhAnim="1">
+<p:sld xmlns:a="http://schemas.openxmlformats.org/drawingml/2006/main" xmlns:r="http://schemas.openxmlformats.org/officeDocument/2006/relationships" xmlns:p="http://schemas.openxmlformats.org/presentationml/2006/main">
   <p:cSld>
     <p:spTree>
       <p:nvGrpSpPr>
@@ -1697,7 +1722,9 @@
       <p:sp>
         <p:nvSpPr>
           <p:cNvPr id="33" name="Shape 33"/>
-          <p:cNvSpPr/>
+          <p:cNvSpPr>
+            <a:spLocks noGrp="1"/>
+          </p:cNvSpPr>
           <p:nvPr>
             <p:ph type="title"/>
           </p:nvPr>
@@ -1715,7 +1742,6 @@
           <a:bodyPr/>
           <a:lstStyle/>
           <a:p>
-            <a:pPr/>
             <a:r>
               <a:t>Semaphores</a:t>
             </a:r>
@@ -1725,7 +1751,9 @@
       <p:sp>
         <p:nvSpPr>
           <p:cNvPr id="34" name="Shape 34"/>
-          <p:cNvSpPr/>
+          <p:cNvSpPr>
+            <a:spLocks noGrp="1"/>
+          </p:cNvSpPr>
           <p:nvPr>
             <p:ph type="body" idx="1"/>
           </p:nvPr>
@@ -1745,7 +1773,7 @@
           <a:p>
             <a:pPr marL="177800" indent="-177800" defTabSz="868680">
               <a:buSzPct val="100000"/>
-              <a:buAutoNum type="arabicPeriod" startAt="1"/>
+              <a:buAutoNum type="arabicPeriod"/>
               <a:defRPr sz="1520"/>
             </a:pPr>
             <a:r>
@@ -1771,6 +1799,7 @@
               <a:buAutoNum type="arabicPeriod" startAt="2"/>
               <a:defRPr sz="1520"/>
             </a:pPr>
+            <a:endParaRPr/>
           </a:p>
           <a:p>
             <a:pPr marL="177800" indent="-177800" defTabSz="868680">
@@ -1801,6 +1830,7 @@
               <a:buAutoNum type="arabicPeriod" startAt="3"/>
               <a:defRPr sz="1520"/>
             </a:pPr>
+            <a:endParaRPr/>
           </a:p>
           <a:p>
             <a:pPr marL="177800" indent="-177800" defTabSz="868680">
@@ -1842,6 +1872,7 @@
             <a:pPr defTabSz="868680">
               <a:defRPr sz="1520"/>
             </a:pPr>
+            <a:endParaRPr/>
           </a:p>
           <a:p>
             <a:pPr defTabSz="868680">
@@ -1873,6 +1904,7 @@
               <a:buChar char="•"/>
               <a:defRPr sz="1520"/>
             </a:pPr>
+            <a:endParaRPr/>
           </a:p>
           <a:p>
             <a:pPr marL="133350" indent="-133350" defTabSz="868680">
@@ -1926,13 +1958,13 @@
   <p:clrMapOvr>
     <a:masterClrMapping/>
   </p:clrMapOvr>
-  <mc:AlternateContent xmlns:mc="http://schemas.openxmlformats.org/markup-compatibility/2006">
-    <mc:Choice xmlns:p14="http://schemas.microsoft.com/office/powerpoint/2010/main" Requires="p14">
-      <p:transition spd="fast" advClick="1" p14:dur="250">
+  <mc:AlternateContent xmlns:mc="http://schemas.openxmlformats.org/markup-compatibility/2006" xmlns:p14="http://schemas.microsoft.com/office/powerpoint/2010/main">
+    <mc:Choice Requires="p14">
+      <p:transition p14:dur="250">
         <p:dissolve/>
       </p:transition>
     </mc:Choice>
-    <mc:Fallback>
+    <mc:Fallback xmlns="">
       <p:transition spd="fast">
         <p:fade/>
       </p:transition>
@@ -1942,7 +1974,7 @@
 </file>
 
 <file path=ppt/slides/slide3.xml><?xml version="1.0" encoding="utf-8"?>
-<p:sld xmlns:a="http://schemas.openxmlformats.org/drawingml/2006/main" xmlns:r="http://schemas.openxmlformats.org/officeDocument/2006/relationships" xmlns:p="http://schemas.openxmlformats.org/presentationml/2006/main" showMasterSp="1" showMasterPhAnim="1">
+<p:sld xmlns:a="http://schemas.openxmlformats.org/drawingml/2006/main" xmlns:r="http://schemas.openxmlformats.org/officeDocument/2006/relationships" xmlns:p="http://schemas.openxmlformats.org/presentationml/2006/main">
   <p:cSld>
     <p:spTree>
       <p:nvGrpSpPr>
@@ -1961,7 +1993,9 @@
       <p:sp>
         <p:nvSpPr>
           <p:cNvPr id="36" name="Shape 36"/>
-          <p:cNvSpPr/>
+          <p:cNvSpPr>
+            <a:spLocks noGrp="1"/>
+          </p:cNvSpPr>
           <p:nvPr>
             <p:ph type="title"/>
           </p:nvPr>
@@ -1979,7 +2013,6 @@
           <a:bodyPr/>
           <a:lstStyle/>
           <a:p>
-            <a:pPr/>
             <a:r>
               <a:t>Mutex</a:t>
             </a:r>
@@ -1989,7 +2022,9 @@
       <p:sp>
         <p:nvSpPr>
           <p:cNvPr id="37" name="Shape 37"/>
-          <p:cNvSpPr/>
+          <p:cNvSpPr>
+            <a:spLocks noGrp="1"/>
+          </p:cNvSpPr>
           <p:nvPr>
             <p:ph type="body" idx="1"/>
           </p:nvPr>
@@ -2035,6 +2070,7 @@
               <a:buChar char="•"/>
               <a:defRPr sz="1620"/>
             </a:pPr>
+            <a:endParaRPr/>
           </a:p>
           <a:p>
             <a:pPr marL="162426" indent="-162426" defTabSz="493776">
@@ -2065,6 +2101,7 @@
               <a:buChar char="•"/>
               <a:defRPr sz="1620"/>
             </a:pPr>
+            <a:endParaRPr/>
           </a:p>
           <a:p>
             <a:pPr marL="162426" indent="-162426" defTabSz="493776">
@@ -2121,6 +2158,7 @@
               <a:buChar char="•"/>
               <a:defRPr sz="1404"/>
             </a:pPr>
+            <a:endParaRPr/>
           </a:p>
           <a:p>
             <a:pPr marL="140769" indent="-140769" defTabSz="493776">
@@ -2133,7 +2171,7 @@
             </a:r>
           </a:p>
           <a:p>
-            <a:pPr lvl="1" marL="346509" indent="-140769" defTabSz="493776">
+            <a:pPr marL="346509" lvl="1" indent="-140769" defTabSz="493776">
               <a:buSzPct val="100000"/>
               <a:buChar char="•"/>
               <a:defRPr sz="1404"/>
@@ -2143,7 +2181,7 @@
             </a:r>
           </a:p>
           <a:p>
-            <a:pPr lvl="1" marL="346509" indent="-140769" defTabSz="493776">
+            <a:pPr marL="346509" lvl="1" indent="-140769" defTabSz="493776">
               <a:buSzPct val="100000"/>
               <a:buChar char="•"/>
               <a:defRPr sz="1404"/>
@@ -2153,7 +2191,7 @@
             </a:r>
           </a:p>
           <a:p>
-            <a:pPr lvl="1" marL="346509" indent="-140769" defTabSz="493776">
+            <a:pPr marL="346509" lvl="1" indent="-140769" defTabSz="493776">
               <a:buSzPct val="100000"/>
               <a:buChar char="•"/>
               <a:defRPr sz="1404">
@@ -2168,7 +2206,7 @@
             </a:r>
           </a:p>
           <a:p>
-            <a:pPr lvl="1" marL="346509" indent="-140769" defTabSz="493776">
+            <a:pPr marL="346509" lvl="1" indent="-140769" defTabSz="493776">
               <a:buSzPct val="100000"/>
               <a:buChar char="•"/>
               <a:defRPr sz="1404">
@@ -2189,13 +2227,13 @@
   <p:clrMapOvr>
     <a:masterClrMapping/>
   </p:clrMapOvr>
-  <mc:AlternateContent xmlns:mc="http://schemas.openxmlformats.org/markup-compatibility/2006">
-    <mc:Choice xmlns:p14="http://schemas.microsoft.com/office/powerpoint/2010/main" Requires="p14">
-      <p:transition spd="fast" advClick="1" p14:dur="250">
+  <mc:AlternateContent xmlns:mc="http://schemas.openxmlformats.org/markup-compatibility/2006" xmlns:p14="http://schemas.microsoft.com/office/powerpoint/2010/main">
+    <mc:Choice Requires="p14">
+      <p:transition p14:dur="250">
         <p:dissolve/>
       </p:transition>
     </mc:Choice>
-    <mc:Fallback>
+    <mc:Fallback xmlns="">
       <p:transition spd="fast">
         <p:fade/>
       </p:transition>
@@ -2205,7 +2243,7 @@
 </file>
 
 <file path=ppt/slides/slide4.xml><?xml version="1.0" encoding="utf-8"?>
-<p:sld xmlns:a="http://schemas.openxmlformats.org/drawingml/2006/main" xmlns:r="http://schemas.openxmlformats.org/officeDocument/2006/relationships" xmlns:p="http://schemas.openxmlformats.org/presentationml/2006/main" showMasterSp="1" showMasterPhAnim="1">
+<p:sld xmlns:a="http://schemas.openxmlformats.org/drawingml/2006/main" xmlns:r="http://schemas.openxmlformats.org/officeDocument/2006/relationships" xmlns:p="http://schemas.openxmlformats.org/presentationml/2006/main">
   <p:cSld>
     <p:spTree>
       <p:nvGrpSpPr>
@@ -2224,7 +2262,9 @@
       <p:sp>
         <p:nvSpPr>
           <p:cNvPr id="39" name="Shape 39"/>
-          <p:cNvSpPr/>
+          <p:cNvSpPr>
+            <a:spLocks noGrp="1"/>
+          </p:cNvSpPr>
           <p:nvPr>
             <p:ph type="title"/>
           </p:nvPr>
@@ -2242,7 +2282,6 @@
           <a:bodyPr/>
           <a:lstStyle/>
           <a:p>
-            <a:pPr/>
             <a:r>
               <a:t>Sample Code</a:t>
             </a:r>
@@ -2252,7 +2291,9 @@
       <p:sp>
         <p:nvSpPr>
           <p:cNvPr id="40" name="Shape 40"/>
-          <p:cNvSpPr/>
+          <p:cNvSpPr>
+            <a:spLocks noGrp="1"/>
+          </p:cNvSpPr>
           <p:nvPr>
             <p:ph type="body" idx="1"/>
           </p:nvPr>
@@ -2318,7 +2359,7 @@
                 <a:sym typeface="Courier"/>
               </a:defRPr>
             </a:pPr>
-            <a:endParaRPr b="1" sz="1400"/>
+            <a:endParaRPr sz="1400" b="1"/>
           </a:p>
           <a:p>
             <a:pPr>
@@ -2390,7 +2431,7 @@
                 <a:sym typeface="Courier"/>
               </a:defRPr>
             </a:pPr>
-            <a:endParaRPr b="1" sz="1400"/>
+            <a:endParaRPr sz="1400" b="1"/>
           </a:p>
           <a:p>
             <a:pPr>
@@ -2492,10 +2533,11 @@
                 <a:sym typeface="Courier"/>
               </a:defRPr>
             </a:pPr>
+            <a:endParaRPr/>
           </a:p>
           <a:p>
             <a:pPr>
-              <a:defRPr b="1" sz="1400">
+              <a:defRPr sz="1400" b="1">
                 <a:latin typeface="Courier"/>
                 <a:ea typeface="Courier"/>
                 <a:cs typeface="Courier"/>
@@ -2513,13 +2555,13 @@
   <p:clrMapOvr>
     <a:masterClrMapping/>
   </p:clrMapOvr>
-  <mc:AlternateContent xmlns:mc="http://schemas.openxmlformats.org/markup-compatibility/2006">
-    <mc:Choice xmlns:p14="http://schemas.microsoft.com/office/powerpoint/2010/main" Requires="p14">
-      <p:transition spd="fast" advClick="1" p14:dur="250">
+  <mc:AlternateContent xmlns:mc="http://schemas.openxmlformats.org/markup-compatibility/2006" xmlns:p14="http://schemas.microsoft.com/office/powerpoint/2010/main">
+    <mc:Choice Requires="p14">
+      <p:transition p14:dur="250">
         <p:dissolve/>
       </p:transition>
     </mc:Choice>
-    <mc:Fallback>
+    <mc:Fallback xmlns="">
       <p:transition spd="fast">
         <p:fade/>
       </p:transition>
@@ -2529,7 +2571,7 @@
 </file>
 
 <file path=ppt/slides/slide5.xml><?xml version="1.0" encoding="utf-8"?>
-<p:sld xmlns:a="http://schemas.openxmlformats.org/drawingml/2006/main" xmlns:r="http://schemas.openxmlformats.org/officeDocument/2006/relationships" xmlns:p="http://schemas.openxmlformats.org/presentationml/2006/main" showMasterSp="1" showMasterPhAnim="1">
+<p:sld xmlns:a="http://schemas.openxmlformats.org/drawingml/2006/main" xmlns:r="http://schemas.openxmlformats.org/officeDocument/2006/relationships" xmlns:p="http://schemas.openxmlformats.org/presentationml/2006/main">
   <p:cSld>
     <p:spTree>
       <p:nvGrpSpPr>
@@ -2548,7 +2590,9 @@
       <p:sp>
         <p:nvSpPr>
           <p:cNvPr id="42" name="Shape 42"/>
-          <p:cNvSpPr/>
+          <p:cNvSpPr>
+            <a:spLocks noGrp="1"/>
+          </p:cNvSpPr>
           <p:nvPr>
             <p:ph type="title"/>
           </p:nvPr>
@@ -2566,7 +2610,6 @@
           <a:bodyPr/>
           <a:lstStyle/>
           <a:p>
-            <a:pPr/>
             <a:r>
               <a:t>wait queues (waitq)</a:t>
             </a:r>
@@ -2576,7 +2619,9 @@
       <p:sp>
         <p:nvSpPr>
           <p:cNvPr id="43" name="Shape 43"/>
-          <p:cNvSpPr/>
+          <p:cNvSpPr>
+            <a:spLocks noGrp="1"/>
+          </p:cNvSpPr>
           <p:nvPr>
             <p:ph type="body" idx="1"/>
           </p:nvPr>
@@ -2600,10 +2645,11 @@
               <a:defRPr sz="1700"/>
             </a:pPr>
             <a:r>
+              <a:rPr dirty="0"/>
               <a:t>See: </a:t>
             </a:r>
             <a:r>
-              <a:rPr u="sng">
+              <a:rPr u="sng" dirty="0">
                 <a:solidFill>
                   <a:srgbClr val="1155CC"/>
                 </a:solidFill>
@@ -2612,7 +2658,7 @@
                     <a:srgbClr val="1155CC"/>
                   </a:solidFill>
                 </a:uFill>
-                <a:hlinkClick r:id="rId2" invalidUrl="" action="" tgtFrame="" tooltip="" history="1" highlightClick="0" endSnd="0"/>
+                <a:hlinkClick r:id="rId2"/>
               </a:rPr>
               <a:t>http://lxr.free-electrons.com/source/include/linux/wait.h</a:t>
             </a:r>
@@ -2623,6 +2669,17 @@
               <a:buChar char="•"/>
               <a:defRPr sz="1700"/>
             </a:pPr>
+            <a:endParaRPr u="sng" dirty="0">
+              <a:solidFill>
+                <a:srgbClr val="1155CC"/>
+              </a:solidFill>
+              <a:uFill>
+                <a:solidFill>
+                  <a:srgbClr val="1155CC"/>
+                </a:solidFill>
+              </a:uFill>
+              <a:hlinkClick r:id="rId2"/>
+            </a:endParaRPr>
           </a:p>
           <a:p>
             <a:pPr marL="300789" indent="-300789">
@@ -2631,6 +2688,7 @@
               <a:defRPr sz="1700"/>
             </a:pPr>
             <a:r>
+              <a:rPr dirty="0"/>
               <a:t>A waitqueue is a queue of processes that are waiting for a specific event.</a:t>
             </a:r>
           </a:p>
@@ -2640,6 +2698,7 @@
               <a:buChar char="•"/>
               <a:defRPr sz="1700"/>
             </a:pPr>
+            <a:endParaRPr dirty="0"/>
           </a:p>
           <a:p>
             <a:pPr marL="300789" indent="-300789">
@@ -2648,6 +2707,7 @@
               <a:defRPr sz="1700"/>
             </a:pPr>
             <a:r>
+              <a:rPr dirty="0"/>
               <a:t>Declaration</a:t>
             </a:r>
           </a:p>
@@ -2661,6 +2721,7 @@
               </a:defRPr>
             </a:pPr>
             <a:r>
+              <a:rPr dirty="0"/>
               <a:t>static wait_queue_head_t wq;</a:t>
             </a:r>
           </a:p>
@@ -2670,6 +2731,7 @@
               <a:buChar char="•"/>
               <a:defRPr sz="1700"/>
             </a:pPr>
+            <a:endParaRPr dirty="0"/>
           </a:p>
           <a:p>
             <a:pPr marL="300789" indent="-300789">
@@ -2678,6 +2740,7 @@
               <a:defRPr sz="1700"/>
             </a:pPr>
             <a:r>
+              <a:rPr dirty="0"/>
               <a:t>Initialization</a:t>
             </a:r>
           </a:p>
@@ -2691,6 +2754,7 @@
               </a:defRPr>
             </a:pPr>
             <a:r>
+              <a:rPr dirty="0"/>
               <a:t>init_waitqueue_head(&amp;wq);</a:t>
             </a:r>
           </a:p>
@@ -2700,6 +2764,7 @@
               <a:buChar char="•"/>
               <a:defRPr sz="1700"/>
             </a:pPr>
+            <a:endParaRPr dirty="0"/>
           </a:p>
           <a:p>
             <a:pPr marL="300789" indent="-300789">
@@ -2708,6 +2773,7 @@
               <a:defRPr sz="1700"/>
             </a:pPr>
             <a:r>
+              <a:rPr dirty="0"/>
               <a:t>OR Declare and Initialize in one shot</a:t>
             </a:r>
           </a:p>
@@ -2721,6 +2787,7 @@
               </a:defRPr>
             </a:pPr>
             <a:r>
+              <a:rPr dirty="0"/>
               <a:t>static DECLARE_WAIT_QUEUE_HEAD(wq);</a:t>
             </a:r>
           </a:p>
@@ -2751,7 +2818,7 @@
         </p:spPr>
         <p:txBody>
           <a:bodyPr lIns="91424" tIns="91424" rIns="91424" bIns="91424">
-            <a:normAutofit fontScale="100000" lnSpcReduction="0"/>
+            <a:normAutofit/>
           </a:bodyPr>
           <a:lstStyle/>
           <a:p>
@@ -2766,6 +2833,7 @@
               </a:defRPr>
             </a:pPr>
             <a:r>
+              <a:rPr dirty="0"/>
               <a:t>Making the current process wait for a condition to be true</a:t>
             </a:r>
           </a:p>
@@ -2779,6 +2847,7 @@
               </a:defRPr>
             </a:pPr>
             <a:r>
+              <a:rPr dirty="0"/>
               <a:t>wait_event_interruptible(wq, condition);</a:t>
             </a:r>
           </a:p>
@@ -2791,6 +2860,7 @@
                 <a:sym typeface="Courier"/>
               </a:defRPr>
             </a:pPr>
+            <a:endParaRPr dirty="0"/>
           </a:p>
           <a:p>
             <a:pPr marL="124326" indent="-124326" defTabSz="566927">
@@ -2804,10 +2874,11 @@
               </a:defRPr>
             </a:pPr>
             <a:r>
+              <a:rPr dirty="0"/>
               <a:t>Preferred over </a:t>
             </a:r>
             <a:r>
-              <a:rPr>
+              <a:rPr dirty="0">
                 <a:latin typeface="Courier"/>
                 <a:ea typeface="Courier"/>
                 <a:cs typeface="Courier"/>
@@ -2827,6 +2898,12 @@
                 <a:sym typeface="Times New Roman"/>
               </a:defRPr>
             </a:pPr>
+            <a:endParaRPr dirty="0">
+              <a:latin typeface="Courier"/>
+              <a:ea typeface="Courier"/>
+              <a:cs typeface="Courier"/>
+              <a:sym typeface="Courier"/>
+            </a:endParaRPr>
           </a:p>
           <a:p>
             <a:pPr marL="161624" indent="-161624" defTabSz="566927">
@@ -2840,6 +2917,7 @@
               </a:defRPr>
             </a:pPr>
             <a:r>
+              <a:rPr dirty="0"/>
               <a:t>Waking up a waiting process upon an event</a:t>
             </a:r>
           </a:p>
@@ -2853,11 +2931,12 @@
               </a:defRPr>
             </a:pPr>
             <a:r>
+              <a:rPr dirty="0"/>
               <a:t>wake_up(&amp;wq)</a:t>
             </a:r>
           </a:p>
           <a:p>
-            <a:pPr lvl="1" marL="422709" indent="-186489" defTabSz="566927">
+            <a:pPr marL="422709" lvl="1" indent="-186489" defTabSz="566927">
               <a:buSzPct val="100000"/>
               <a:buChar char="•"/>
               <a:defRPr sz="1612">
@@ -2868,11 +2947,21 @@
               </a:defRPr>
             </a:pPr>
             <a:r>
-              <a:t>wake up all processes waiting on this wait queue. Woken processes check the condition. If condition is false, they go back to sleep.</a:t>
-            </a:r>
-          </a:p>
-          <a:p>
-            <a:pPr lvl="1" marL="422709" indent="-186489" defTabSz="566927">
+              <a:rPr dirty="0"/>
+              <a:t>wake up all processes waiting on this wait queue. Woken processes check the condition. If condition is false, they </a:t>
+            </a:r>
+            <a:r>
+              <a:rPr lang="en-US" dirty="0" smtClean="0"/>
+              <a:t>block again</a:t>
+            </a:r>
+            <a:r>
+              <a:rPr dirty="0" smtClean="0"/>
+              <a:t>.</a:t>
+            </a:r>
+            <a:endParaRPr dirty="0"/>
+          </a:p>
+          <a:p>
+            <a:pPr marL="422709" lvl="1" indent="-186489" defTabSz="566927">
               <a:buSzPct val="100000"/>
               <a:buChar char="•"/>
               <a:defRPr sz="1612">
@@ -2882,6 +2971,7 @@
                 <a:sym typeface="Times New Roman"/>
               </a:defRPr>
             </a:pPr>
+            <a:endParaRPr dirty="0"/>
           </a:p>
           <a:p>
             <a:pPr lvl="1" indent="141731" defTabSz="566927">
@@ -2893,11 +2983,12 @@
               </a:defRPr>
             </a:pPr>
             <a:r>
+              <a:rPr dirty="0"/>
               <a:t>wake_up_interruptible (&amp;wq) </a:t>
             </a:r>
           </a:p>
           <a:p>
-            <a:pPr lvl="1" marL="422709" indent="-186489" defTabSz="566927">
+            <a:pPr marL="422709" lvl="1" indent="-186489" defTabSz="566927">
               <a:buSzPct val="100000"/>
               <a:buChar char="•"/>
               <a:defRPr sz="1612">
@@ -2908,8 +2999,34 @@
               </a:defRPr>
             </a:pPr>
             <a:r>
-              <a:t>wakes up only the processes that are in interruptible waits. Any process that in non-interruptible waits will continue to sleep.</a:t>
-            </a:r>
+              <a:rPr dirty="0"/>
+              <a:t>wakes up only the processes that are in interruptible waits. Any process </a:t>
+            </a:r>
+            <a:r>
+              <a:rPr dirty="0" smtClean="0"/>
+              <a:t>in </a:t>
+            </a:r>
+            <a:r>
+              <a:rPr dirty="0"/>
+              <a:t>non-interruptible </a:t>
+            </a:r>
+            <a:r>
+              <a:rPr dirty="0" smtClean="0"/>
+              <a:t>wait </a:t>
+            </a:r>
+            <a:r>
+              <a:rPr dirty="0"/>
+              <a:t>will continue to </a:t>
+            </a:r>
+            <a:r>
+              <a:rPr lang="en-US" dirty="0" smtClean="0"/>
+              <a:t>block</a:t>
+            </a:r>
+            <a:r>
+              <a:rPr dirty="0" smtClean="0"/>
+              <a:t>.</a:t>
+            </a:r>
+            <a:endParaRPr dirty="0"/>
           </a:p>
         </p:txBody>
       </p:sp>
@@ -2918,13 +3035,13 @@
   <p:clrMapOvr>
     <a:masterClrMapping/>
   </p:clrMapOvr>
-  <mc:AlternateContent xmlns:mc="http://schemas.openxmlformats.org/markup-compatibility/2006">
-    <mc:Choice xmlns:p14="http://schemas.microsoft.com/office/powerpoint/2010/main" Requires="p14">
-      <p:transition spd="fast" advClick="1" p14:dur="250">
+  <mc:AlternateContent xmlns:mc="http://schemas.openxmlformats.org/markup-compatibility/2006" xmlns:p14="http://schemas.microsoft.com/office/powerpoint/2010/main">
+    <mc:Choice Requires="p14">
+      <p:transition p14:dur="250">
         <p:dissolve/>
       </p:transition>
     </mc:Choice>
-    <mc:Fallback>
+    <mc:Fallback xmlns="">
       <p:transition spd="fast">
         <p:fade/>
       </p:transition>
@@ -2934,7 +3051,7 @@
 </file>
 
 <file path=ppt/slides/slide6.xml><?xml version="1.0" encoding="utf-8"?>
-<p:sld xmlns:a="http://schemas.openxmlformats.org/drawingml/2006/main" xmlns:r="http://schemas.openxmlformats.org/officeDocument/2006/relationships" xmlns:p="http://schemas.openxmlformats.org/presentationml/2006/main" showMasterSp="1" showMasterPhAnim="1">
+<p:sld xmlns:a="http://schemas.openxmlformats.org/drawingml/2006/main" xmlns:r="http://schemas.openxmlformats.org/officeDocument/2006/relationships" xmlns:p="http://schemas.openxmlformats.org/presentationml/2006/main">
   <p:cSld>
     <p:spTree>
       <p:nvGrpSpPr>
@@ -2953,7 +3070,9 @@
       <p:sp>
         <p:nvSpPr>
           <p:cNvPr id="46" name="Shape 46"/>
-          <p:cNvSpPr/>
+          <p:cNvSpPr>
+            <a:spLocks noGrp="1"/>
+          </p:cNvSpPr>
           <p:nvPr>
             <p:ph type="title"/>
           </p:nvPr>
@@ -2968,14 +3087,15 @@
           </a:prstGeom>
         </p:spPr>
         <p:txBody>
-          <a:bodyPr/>
+          <a:bodyPr>
+            <a:normAutofit fontScale="90000"/>
+          </a:bodyPr>
           <a:lstStyle>
             <a:lvl1pPr defTabSz="722376">
               <a:defRPr sz="3160"/>
             </a:lvl1pPr>
           </a:lstStyle>
           <a:p>
-            <a:pPr/>
             <a:r>
               <a:t>Sample code: using mutex and waitqs together</a:t>
             </a:r>
@@ -2985,7 +3105,9 @@
       <p:sp>
         <p:nvSpPr>
           <p:cNvPr id="47" name="Shape 47"/>
-          <p:cNvSpPr/>
+          <p:cNvSpPr>
+            <a:spLocks noGrp="1"/>
+          </p:cNvSpPr>
           <p:nvPr>
             <p:ph type="body" idx="1"/>
           </p:nvPr>
@@ -3037,6 +3159,7 @@
                 <a:sym typeface="Courier"/>
               </a:defRPr>
             </a:pPr>
+            <a:endParaRPr/>
           </a:p>
           <a:p>
             <a:pPr defTabSz="685800">
@@ -3047,6 +3170,7 @@
                 <a:sym typeface="Courier"/>
               </a:defRPr>
             </a:pPr>
+            <a:endParaRPr/>
           </a:p>
           <a:p>
             <a:pPr defTabSz="685800">
@@ -3109,6 +3233,7 @@
                 <a:sym typeface="Courier"/>
               </a:defRPr>
             </a:pPr>
+            <a:endParaRPr/>
           </a:p>
           <a:p>
             <a:pPr lvl="1" indent="171450" defTabSz="685800">
@@ -3145,6 +3270,7 @@
                 <a:sym typeface="Courier"/>
               </a:defRPr>
             </a:pPr>
+            <a:endParaRPr/>
           </a:p>
           <a:p>
             <a:pPr lvl="1" indent="171450" defTabSz="685800">
@@ -3181,6 +3307,7 @@
                 <a:sym typeface="Courier"/>
               </a:defRPr>
             </a:pPr>
+            <a:endParaRPr/>
           </a:p>
           <a:p>
             <a:pPr lvl="1" indent="171450" defTabSz="685800">
@@ -3217,6 +3344,7 @@
                 <a:sym typeface="Courier"/>
               </a:defRPr>
             </a:pPr>
+            <a:endParaRPr/>
           </a:p>
           <a:p>
             <a:pPr lvl="1" indent="171450" defTabSz="685800">
@@ -3336,7 +3464,7 @@
         </p:spPr>
         <p:txBody>
           <a:bodyPr lIns="91424" tIns="91424" rIns="91424" bIns="91424">
-            <a:normAutofit fontScale="100000" lnSpcReduction="0"/>
+            <a:normAutofit/>
           </a:bodyPr>
           <a:lstStyle/>
           <a:p>
@@ -3365,6 +3493,7 @@
                 <a:sym typeface="Times New Roman"/>
               </a:defRPr>
             </a:pPr>
+            <a:endParaRPr/>
           </a:p>
           <a:p>
             <a:pPr lvl="2" indent="457200">
@@ -3388,6 +3517,7 @@
                 <a:sym typeface="Courier"/>
               </a:defRPr>
             </a:pPr>
+            <a:endParaRPr/>
           </a:p>
           <a:p>
             <a:pPr lvl="2" indent="457200">
@@ -3411,6 +3541,7 @@
                 <a:sym typeface="Courier"/>
               </a:defRPr>
             </a:pPr>
+            <a:endParaRPr/>
           </a:p>
           <a:p>
             <a:pPr lvl="2" indent="457200">
@@ -3434,6 +3565,7 @@
                 <a:sym typeface="Courier"/>
               </a:defRPr>
             </a:pPr>
+            <a:endParaRPr/>
           </a:p>
         </p:txBody>
       </p:sp>
@@ -3442,13 +3574,13 @@
   <p:clrMapOvr>
     <a:masterClrMapping/>
   </p:clrMapOvr>
-  <mc:AlternateContent xmlns:mc="http://schemas.openxmlformats.org/markup-compatibility/2006">
-    <mc:Choice xmlns:p14="http://schemas.microsoft.com/office/powerpoint/2010/main" Requires="p14">
-      <p:transition spd="fast" advClick="1" p14:dur="250">
+  <mc:AlternateContent xmlns:mc="http://schemas.openxmlformats.org/markup-compatibility/2006" xmlns:p14="http://schemas.microsoft.com/office/powerpoint/2010/main">
+    <mc:Choice Requires="p14">
+      <p:transition p14:dur="250">
         <p:dissolve/>
       </p:transition>
     </mc:Choice>
-    <mc:Fallback>
+    <mc:Fallback xmlns="">
       <p:transition spd="fast">
         <p:fade/>
       </p:transition>
@@ -3458,7 +3590,7 @@
 </file>
 
 <file path=ppt/slides/slide7.xml><?xml version="1.0" encoding="utf-8"?>
-<p:sld xmlns:a="http://schemas.openxmlformats.org/drawingml/2006/main" xmlns:r="http://schemas.openxmlformats.org/officeDocument/2006/relationships" xmlns:p="http://schemas.openxmlformats.org/presentationml/2006/main" showMasterSp="1" showMasterPhAnim="1">
+<p:sld xmlns:a="http://schemas.openxmlformats.org/drawingml/2006/main" xmlns:r="http://schemas.openxmlformats.org/officeDocument/2006/relationships" xmlns:p="http://schemas.openxmlformats.org/presentationml/2006/main">
   <p:cSld>
     <p:spTree>
       <p:nvGrpSpPr>
@@ -3477,7 +3609,9 @@
       <p:sp>
         <p:nvSpPr>
           <p:cNvPr id="50" name="Shape 50"/>
-          <p:cNvSpPr/>
+          <p:cNvSpPr>
+            <a:spLocks noGrp="1"/>
+          </p:cNvSpPr>
           <p:nvPr>
             <p:ph type="title"/>
           </p:nvPr>
@@ -3495,7 +3629,6 @@
           <a:bodyPr/>
           <a:lstStyle/>
           <a:p>
-            <a:pPr/>
             <a:r>
               <a:t>Useful Header Files</a:t>
             </a:r>
@@ -3505,7 +3638,9 @@
       <p:sp>
         <p:nvSpPr>
           <p:cNvPr id="51" name="Shape 51"/>
-          <p:cNvSpPr/>
+          <p:cNvSpPr>
+            <a:spLocks noGrp="1"/>
+          </p:cNvSpPr>
           <p:nvPr>
             <p:ph type="body" idx="1"/>
           </p:nvPr>
@@ -3566,6 +3701,7 @@
             <a:pPr>
               <a:defRPr sz="1700"/>
             </a:pPr>
+            <a:endParaRPr/>
           </a:p>
           <a:p>
             <a:pPr>
@@ -3595,6 +3731,7 @@
             <a:pPr>
               <a:defRPr sz="1700"/>
             </a:pPr>
+            <a:endParaRPr/>
           </a:p>
         </p:txBody>
       </p:sp>
@@ -3603,12 +3740,12 @@
   <p:clrMapOvr>
     <a:masterClrMapping/>
   </p:clrMapOvr>
-  <p:transition xmlns:p14="http://schemas.microsoft.com/office/powerpoint/2010/main" spd="med" advClick="1" p14:dur="1000"/>
+  <p:transition spd="slow"/>
 </p:sld>
 </file>
 
 <file path=ppt/theme/theme1.xml><?xml version="1.0" encoding="utf-8"?>
-<a:theme xmlns:a="http://schemas.openxmlformats.org/drawingml/2006/main" xmlns:r="http://schemas.openxmlformats.org/officeDocument/2006/relationships" name="simple-light">
+<a:theme xmlns:a="http://schemas.openxmlformats.org/drawingml/2006/main" name="simple-light">
   <a:themeElements>
     <a:clrScheme name="simple-light">
       <a:dk1>
@@ -3734,7 +3871,7 @@
       <a:effectStyleLst>
         <a:effectStyle>
           <a:effectLst>
-            <a:outerShdw sx="100000" sy="100000" kx="0" ky="0" algn="b" rotWithShape="0" blurRad="38100" dist="23000" dir="5400000">
+            <a:outerShdw blurRad="38100" dist="23000" dir="5400000" rotWithShape="0">
               <a:srgbClr val="000000">
                 <a:alpha val="35000"/>
               </a:srgbClr>
@@ -3743,7 +3880,7 @@
         </a:effectStyle>
         <a:effectStyle>
           <a:effectLst>
-            <a:outerShdw sx="100000" sy="100000" kx="0" ky="0" algn="b" rotWithShape="0" blurRad="38100" dist="23000" dir="5400000">
+            <a:outerShdw blurRad="38100" dist="23000" dir="5400000" rotWithShape="0">
               <a:srgbClr val="000000">
                 <a:alpha val="35000"/>
               </a:srgbClr>
@@ -3752,7 +3889,7 @@
         </a:effectStyle>
         <a:effectStyle>
           <a:effectLst>
-            <a:outerShdw sx="100000" sy="100000" kx="0" ky="0" algn="b" rotWithShape="0" blurRad="38100" dist="20000" dir="5400000">
+            <a:outerShdw blurRad="38100" dist="20000" dir="5400000" rotWithShape="0">
               <a:srgbClr val="000000">
                 <a:alpha val="38000"/>
               </a:srgbClr>
@@ -3826,7 +3963,7 @@
           <a:round/>
         </a:ln>
         <a:effectLst>
-          <a:outerShdw sx="100000" sy="100000" kx="0" ky="0" algn="b" rotWithShape="0" blurRad="38100" dist="23000" dir="5400000">
+          <a:outerShdw blurRad="38100" dist="23000" dir="5400000" rotWithShape="0">
             <a:srgbClr val="000000">
               <a:alpha val="35000"/>
             </a:srgbClr>
@@ -3834,7 +3971,7 @@
         </a:effectLst>
         <a:sp3d/>
       </a:spPr>
-      <a:bodyPr rot="0" spcFirstLastPara="1" vertOverflow="overflow" horzOverflow="overflow" vert="horz" wrap="square" lIns="45719" tIns="45719" rIns="45719" bIns="45719" numCol="1" spcCol="38100" rtlCol="0" anchor="ctr" upright="0">
+      <a:bodyPr rot="0" spcFirstLastPara="1" vertOverflow="overflow" horzOverflow="overflow" vert="horz" wrap="square" lIns="45719" tIns="45719" rIns="45719" bIns="45719" numCol="1" spcCol="38100" rtlCol="0" anchor="ctr">
         <a:spAutoFit/>
       </a:bodyPr>
       <a:lstStyle>
@@ -3853,7 +3990,7 @@
           <a:buFontTx/>
           <a:buNone/>
           <a:tabLst/>
-          <a:defRPr b="0" baseline="0" cap="none" i="0" spc="0" strike="noStrike" sz="1400" u="none" kumimoji="0" normalizeH="0">
+          <a:defRPr kumimoji="0" sz="1400" b="0" i="0" u="none" strike="noStrike" cap="none" spc="0" normalizeH="0" baseline="0">
             <a:ln>
               <a:noFill/>
             </a:ln>
@@ -3883,7 +4020,7 @@
           <a:buFontTx/>
           <a:buNone/>
           <a:tabLst/>
-          <a:defRPr b="0" baseline="0" cap="none" i="0" spc="0" strike="noStrike" sz="1800" u="none" kumimoji="0" normalizeH="0">
+          <a:defRPr kumimoji="0" sz="1800" b="0" i="0" u="none" strike="noStrike" cap="none" spc="0" normalizeH="0" baseline="0">
             <a:ln>
               <a:noFill/>
             </a:ln>
@@ -3909,7 +4046,7 @@
           <a:buFontTx/>
           <a:buNone/>
           <a:tabLst/>
-          <a:defRPr b="0" baseline="0" cap="none" i="0" spc="0" strike="noStrike" sz="1800" u="none" kumimoji="0" normalizeH="0">
+          <a:defRPr kumimoji="0" sz="1800" b="0" i="0" u="none" strike="noStrike" cap="none" spc="0" normalizeH="0" baseline="0">
             <a:ln>
               <a:noFill/>
             </a:ln>
@@ -3935,7 +4072,7 @@
           <a:buFontTx/>
           <a:buNone/>
           <a:tabLst/>
-          <a:defRPr b="0" baseline="0" cap="none" i="0" spc="0" strike="noStrike" sz="1800" u="none" kumimoji="0" normalizeH="0">
+          <a:defRPr kumimoji="0" sz="1800" b="0" i="0" u="none" strike="noStrike" cap="none" spc="0" normalizeH="0" baseline="0">
             <a:ln>
               <a:noFill/>
             </a:ln>
@@ -3961,7 +4098,7 @@
           <a:buFontTx/>
           <a:buNone/>
           <a:tabLst/>
-          <a:defRPr b="0" baseline="0" cap="none" i="0" spc="0" strike="noStrike" sz="1800" u="none" kumimoji="0" normalizeH="0">
+          <a:defRPr kumimoji="0" sz="1800" b="0" i="0" u="none" strike="noStrike" cap="none" spc="0" normalizeH="0" baseline="0">
             <a:ln>
               <a:noFill/>
             </a:ln>
@@ -3987,7 +4124,7 @@
           <a:buFontTx/>
           <a:buNone/>
           <a:tabLst/>
-          <a:defRPr b="0" baseline="0" cap="none" i="0" spc="0" strike="noStrike" sz="1800" u="none" kumimoji="0" normalizeH="0">
+          <a:defRPr kumimoji="0" sz="1800" b="0" i="0" u="none" strike="noStrike" cap="none" spc="0" normalizeH="0" baseline="0">
             <a:ln>
               <a:noFill/>
             </a:ln>
@@ -4013,7 +4150,7 @@
           <a:buFontTx/>
           <a:buNone/>
           <a:tabLst/>
-          <a:defRPr b="0" baseline="0" cap="none" i="0" spc="0" strike="noStrike" sz="1800" u="none" kumimoji="0" normalizeH="0">
+          <a:defRPr kumimoji="0" sz="1800" b="0" i="0" u="none" strike="noStrike" cap="none" spc="0" normalizeH="0" baseline="0">
             <a:ln>
               <a:noFill/>
             </a:ln>
@@ -4039,7 +4176,7 @@
           <a:buFontTx/>
           <a:buNone/>
           <a:tabLst/>
-          <a:defRPr b="0" baseline="0" cap="none" i="0" spc="0" strike="noStrike" sz="1800" u="none" kumimoji="0" normalizeH="0">
+          <a:defRPr kumimoji="0" sz="1800" b="0" i="0" u="none" strike="noStrike" cap="none" spc="0" normalizeH="0" baseline="0">
             <a:ln>
               <a:noFill/>
             </a:ln>
@@ -4065,7 +4202,7 @@
           <a:buFontTx/>
           <a:buNone/>
           <a:tabLst/>
-          <a:defRPr b="0" baseline="0" cap="none" i="0" spc="0" strike="noStrike" sz="1800" u="none" kumimoji="0" normalizeH="0">
+          <a:defRPr kumimoji="0" sz="1800" b="0" i="0" u="none" strike="noStrike" cap="none" spc="0" normalizeH="0" baseline="0">
             <a:ln>
               <a:noFill/>
             </a:ln>
@@ -4091,7 +4228,7 @@
           <a:buFontTx/>
           <a:buNone/>
           <a:tabLst/>
-          <a:defRPr b="0" baseline="0" cap="none" i="0" spc="0" strike="noStrike" sz="1800" u="none" kumimoji="0" normalizeH="0">
+          <a:defRPr kumimoji="0" sz="1800" b="0" i="0" u="none" strike="noStrike" cap="none" spc="0" normalizeH="0" baseline="0">
             <a:ln>
               <a:noFill/>
             </a:ln>
@@ -4104,9 +4241,15 @@
         </a:lvl9pPr>
       </a:lstStyle>
       <a:style>
-        <a:lnRef idx="0"/>
-        <a:fillRef idx="0"/>
-        <a:effectRef idx="0"/>
+        <a:lnRef idx="0">
+          <a:scrgbClr r="0" g="0" b="0"/>
+        </a:lnRef>
+        <a:fillRef idx="0">
+          <a:scrgbClr r="0" g="0" b="0"/>
+        </a:fillRef>
+        <a:effectRef idx="0">
+          <a:scrgbClr r="0" g="0" b="0"/>
+        </a:effectRef>
         <a:fontRef idx="none"/>
       </a:style>
     </a:spDef>
@@ -4121,7 +4264,7 @@
           <a:round/>
         </a:ln>
         <a:effectLst>
-          <a:outerShdw sx="100000" sy="100000" kx="0" ky="0" algn="b" rotWithShape="0" blurRad="38100" dist="20000" dir="5400000">
+          <a:outerShdw blurRad="38100" dist="20000" dir="5400000" rotWithShape="0">
             <a:srgbClr val="000000">
               <a:alpha val="38000"/>
             </a:srgbClr>
@@ -4129,7 +4272,7 @@
         </a:effectLst>
         <a:sp3d/>
       </a:spPr>
-      <a:bodyPr rot="0" spcFirstLastPara="1" vertOverflow="overflow" horzOverflow="overflow" vert="horz" wrap="square" lIns="91439" tIns="45719" rIns="91439" bIns="45719" numCol="1" spcCol="38100" rtlCol="0" anchor="t" upright="0">
+      <a:bodyPr rot="0" spcFirstLastPara="1" vertOverflow="overflow" horzOverflow="overflow" vert="horz" wrap="square" lIns="91439" tIns="45719" rIns="91439" bIns="45719" numCol="1" spcCol="38100" rtlCol="0" anchor="t">
         <a:noAutofit/>
       </a:bodyPr>
       <a:lstStyle>
@@ -4148,7 +4291,7 @@
           <a:buFontTx/>
           <a:buNone/>
           <a:tabLst/>
-          <a:defRPr b="0" baseline="0" cap="none" i="0" spc="0" strike="noStrike" sz="1800" u="none" kumimoji="0" normalizeH="0">
+          <a:defRPr kumimoji="0" sz="1800" b="0" i="0" u="none" strike="noStrike" cap="none" spc="0" normalizeH="0" baseline="0">
             <a:ln>
               <a:noFill/>
             </a:ln>
@@ -4174,7 +4317,7 @@
           <a:buFontTx/>
           <a:buNone/>
           <a:tabLst/>
-          <a:defRPr b="0" baseline="0" cap="none" i="0" spc="0" strike="noStrike" sz="1800" u="none" kumimoji="0" normalizeH="0">
+          <a:defRPr kumimoji="0" sz="1800" b="0" i="0" u="none" strike="noStrike" cap="none" spc="0" normalizeH="0" baseline="0">
             <a:ln>
               <a:noFill/>
             </a:ln>
@@ -4200,7 +4343,7 @@
           <a:buFontTx/>
           <a:buNone/>
           <a:tabLst/>
-          <a:defRPr b="0" baseline="0" cap="none" i="0" spc="0" strike="noStrike" sz="1800" u="none" kumimoji="0" normalizeH="0">
+          <a:defRPr kumimoji="0" sz="1800" b="0" i="0" u="none" strike="noStrike" cap="none" spc="0" normalizeH="0" baseline="0">
             <a:ln>
               <a:noFill/>
             </a:ln>
@@ -4226,7 +4369,7 @@
           <a:buFontTx/>
           <a:buNone/>
           <a:tabLst/>
-          <a:defRPr b="0" baseline="0" cap="none" i="0" spc="0" strike="noStrike" sz="1800" u="none" kumimoji="0" normalizeH="0">
+          <a:defRPr kumimoji="0" sz="1800" b="0" i="0" u="none" strike="noStrike" cap="none" spc="0" normalizeH="0" baseline="0">
             <a:ln>
               <a:noFill/>
             </a:ln>
@@ -4252,7 +4395,7 @@
           <a:buFontTx/>
           <a:buNone/>
           <a:tabLst/>
-          <a:defRPr b="0" baseline="0" cap="none" i="0" spc="0" strike="noStrike" sz="1800" u="none" kumimoji="0" normalizeH="0">
+          <a:defRPr kumimoji="0" sz="1800" b="0" i="0" u="none" strike="noStrike" cap="none" spc="0" normalizeH="0" baseline="0">
             <a:ln>
               <a:noFill/>
             </a:ln>
@@ -4278,7 +4421,7 @@
           <a:buFontTx/>
           <a:buNone/>
           <a:tabLst/>
-          <a:defRPr b="0" baseline="0" cap="none" i="0" spc="0" strike="noStrike" sz="1800" u="none" kumimoji="0" normalizeH="0">
+          <a:defRPr kumimoji="0" sz="1800" b="0" i="0" u="none" strike="noStrike" cap="none" spc="0" normalizeH="0" baseline="0">
             <a:ln>
               <a:noFill/>
             </a:ln>
@@ -4304,7 +4447,7 @@
           <a:buFontTx/>
           <a:buNone/>
           <a:tabLst/>
-          <a:defRPr b="0" baseline="0" cap="none" i="0" spc="0" strike="noStrike" sz="1800" u="none" kumimoji="0" normalizeH="0">
+          <a:defRPr kumimoji="0" sz="1800" b="0" i="0" u="none" strike="noStrike" cap="none" spc="0" normalizeH="0" baseline="0">
             <a:ln>
               <a:noFill/>
             </a:ln>
@@ -4330,7 +4473,7 @@
           <a:buFontTx/>
           <a:buNone/>
           <a:tabLst/>
-          <a:defRPr b="0" baseline="0" cap="none" i="0" spc="0" strike="noStrike" sz="1800" u="none" kumimoji="0" normalizeH="0">
+          <a:defRPr kumimoji="0" sz="1800" b="0" i="0" u="none" strike="noStrike" cap="none" spc="0" normalizeH="0" baseline="0">
             <a:ln>
               <a:noFill/>
             </a:ln>
@@ -4356,7 +4499,7 @@
           <a:buFontTx/>
           <a:buNone/>
           <a:tabLst/>
-          <a:defRPr b="0" baseline="0" cap="none" i="0" spc="0" strike="noStrike" sz="1800" u="none" kumimoji="0" normalizeH="0">
+          <a:defRPr kumimoji="0" sz="1800" b="0" i="0" u="none" strike="noStrike" cap="none" spc="0" normalizeH="0" baseline="0">
             <a:ln>
               <a:noFill/>
             </a:ln>
@@ -4382,7 +4525,7 @@
           <a:buFontTx/>
           <a:buNone/>
           <a:tabLst/>
-          <a:defRPr b="0" baseline="0" cap="none" i="0" spc="0" strike="noStrike" sz="1800" u="none" kumimoji="0" normalizeH="0">
+          <a:defRPr kumimoji="0" sz="1800" b="0" i="0" u="none" strike="noStrike" cap="none" spc="0" normalizeH="0" baseline="0">
             <a:ln>
               <a:noFill/>
             </a:ln>
@@ -4395,9 +4538,15 @@
         </a:lvl9pPr>
       </a:lstStyle>
       <a:style>
-        <a:lnRef idx="0"/>
-        <a:fillRef idx="0"/>
-        <a:effectRef idx="0"/>
+        <a:lnRef idx="0">
+          <a:scrgbClr r="0" g="0" b="0"/>
+        </a:lnRef>
+        <a:fillRef idx="0">
+          <a:scrgbClr r="0" g="0" b="0"/>
+        </a:fillRef>
+        <a:effectRef idx="0">
+          <a:scrgbClr r="0" g="0" b="0"/>
+        </a:effectRef>
         <a:fontRef idx="none"/>
       </a:style>
     </a:lnDef>
@@ -4411,7 +4560,7 @@
         <a:effectLst/>
         <a:sp3d/>
       </a:spPr>
-      <a:bodyPr rot="0" spcFirstLastPara="1" vertOverflow="overflow" horzOverflow="overflow" vert="horz" wrap="square" lIns="45719" tIns="45719" rIns="45719" bIns="45719" numCol="1" spcCol="38100" rtlCol="0" anchor="t" upright="0">
+      <a:bodyPr rot="0" spcFirstLastPara="1" vertOverflow="overflow" horzOverflow="overflow" vert="horz" wrap="square" lIns="45719" tIns="45719" rIns="45719" bIns="45719" numCol="1" spcCol="38100" rtlCol="0" anchor="t">
         <a:spAutoFit/>
       </a:bodyPr>
       <a:lstStyle>
@@ -4430,7 +4579,7 @@
           <a:buFontTx/>
           <a:buNone/>
           <a:tabLst/>
-          <a:defRPr b="0" baseline="0" cap="none" i="0" spc="0" strike="noStrike" sz="1400" u="none" kumimoji="0" normalizeH="0">
+          <a:defRPr kumimoji="0" sz="1400" b="0" i="0" u="none" strike="noStrike" cap="none" spc="0" normalizeH="0" baseline="0">
             <a:ln>
               <a:noFill/>
             </a:ln>
@@ -4460,7 +4609,7 @@
           <a:buFontTx/>
           <a:buNone/>
           <a:tabLst/>
-          <a:defRPr b="0" baseline="0" cap="none" i="0" spc="0" strike="noStrike" sz="1800" u="none" kumimoji="0" normalizeH="0">
+          <a:defRPr kumimoji="0" sz="1800" b="0" i="0" u="none" strike="noStrike" cap="none" spc="0" normalizeH="0" baseline="0">
             <a:ln>
               <a:noFill/>
             </a:ln>
@@ -4486,7 +4635,7 @@
           <a:buFontTx/>
           <a:buNone/>
           <a:tabLst/>
-          <a:defRPr b="0" baseline="0" cap="none" i="0" spc="0" strike="noStrike" sz="1800" u="none" kumimoji="0" normalizeH="0">
+          <a:defRPr kumimoji="0" sz="1800" b="0" i="0" u="none" strike="noStrike" cap="none" spc="0" normalizeH="0" baseline="0">
             <a:ln>
               <a:noFill/>
             </a:ln>
@@ -4512,7 +4661,7 @@
           <a:buFontTx/>
           <a:buNone/>
           <a:tabLst/>
-          <a:defRPr b="0" baseline="0" cap="none" i="0" spc="0" strike="noStrike" sz="1800" u="none" kumimoji="0" normalizeH="0">
+          <a:defRPr kumimoji="0" sz="1800" b="0" i="0" u="none" strike="noStrike" cap="none" spc="0" normalizeH="0" baseline="0">
             <a:ln>
               <a:noFill/>
             </a:ln>
@@ -4538,7 +4687,7 @@
           <a:buFontTx/>
           <a:buNone/>
           <a:tabLst/>
-          <a:defRPr b="0" baseline="0" cap="none" i="0" spc="0" strike="noStrike" sz="1800" u="none" kumimoji="0" normalizeH="0">
+          <a:defRPr kumimoji="0" sz="1800" b="0" i="0" u="none" strike="noStrike" cap="none" spc="0" normalizeH="0" baseline="0">
             <a:ln>
               <a:noFill/>
             </a:ln>
@@ -4564,7 +4713,7 @@
           <a:buFontTx/>
           <a:buNone/>
           <a:tabLst/>
-          <a:defRPr b="0" baseline="0" cap="none" i="0" spc="0" strike="noStrike" sz="1800" u="none" kumimoji="0" normalizeH="0">
+          <a:defRPr kumimoji="0" sz="1800" b="0" i="0" u="none" strike="noStrike" cap="none" spc="0" normalizeH="0" baseline="0">
             <a:ln>
               <a:noFill/>
             </a:ln>
@@ -4590,7 +4739,7 @@
           <a:buFontTx/>
           <a:buNone/>
           <a:tabLst/>
-          <a:defRPr b="0" baseline="0" cap="none" i="0" spc="0" strike="noStrike" sz="1800" u="none" kumimoji="0" normalizeH="0">
+          <a:defRPr kumimoji="0" sz="1800" b="0" i="0" u="none" strike="noStrike" cap="none" spc="0" normalizeH="0" baseline="0">
             <a:ln>
               <a:noFill/>
             </a:ln>
@@ -4616,7 +4765,7 @@
           <a:buFontTx/>
           <a:buNone/>
           <a:tabLst/>
-          <a:defRPr b="0" baseline="0" cap="none" i="0" spc="0" strike="noStrike" sz="1800" u="none" kumimoji="0" normalizeH="0">
+          <a:defRPr kumimoji="0" sz="1800" b="0" i="0" u="none" strike="noStrike" cap="none" spc="0" normalizeH="0" baseline="0">
             <a:ln>
               <a:noFill/>
             </a:ln>
@@ -4642,7 +4791,7 @@
           <a:buFontTx/>
           <a:buNone/>
           <a:tabLst/>
-          <a:defRPr b="0" baseline="0" cap="none" i="0" spc="0" strike="noStrike" sz="1800" u="none" kumimoji="0" normalizeH="0">
+          <a:defRPr kumimoji="0" sz="1800" b="0" i="0" u="none" strike="noStrike" cap="none" spc="0" normalizeH="0" baseline="0">
             <a:ln>
               <a:noFill/>
             </a:ln>
@@ -4668,7 +4817,7 @@
           <a:buFontTx/>
           <a:buNone/>
           <a:tabLst/>
-          <a:defRPr b="0" baseline="0" cap="none" i="0" spc="0" strike="noStrike" sz="1800" u="none" kumimoji="0" normalizeH="0">
+          <a:defRPr kumimoji="0" sz="1800" b="0" i="0" u="none" strike="noStrike" cap="none" spc="0" normalizeH="0" baseline="0">
             <a:ln>
               <a:noFill/>
             </a:ln>
@@ -4681,18 +4830,25 @@
         </a:lvl9pPr>
       </a:lstStyle>
       <a:style>
-        <a:lnRef idx="0"/>
-        <a:fillRef idx="0"/>
-        <a:effectRef idx="0"/>
+        <a:lnRef idx="0">
+          <a:scrgbClr r="0" g="0" b="0"/>
+        </a:lnRef>
+        <a:fillRef idx="0">
+          <a:scrgbClr r="0" g="0" b="0"/>
+        </a:fillRef>
+        <a:effectRef idx="0">
+          <a:scrgbClr r="0" g="0" b="0"/>
+        </a:effectRef>
         <a:fontRef idx="none"/>
       </a:style>
     </a:txDef>
   </a:objectDefaults>
+  <a:extraClrSchemeLst/>
 </a:theme>
 </file>
 
 <file path=ppt/theme/theme2.xml><?xml version="1.0" encoding="utf-8"?>
-<a:theme xmlns:a="http://schemas.openxmlformats.org/drawingml/2006/main" xmlns:r="http://schemas.openxmlformats.org/officeDocument/2006/relationships" name="simple-light">
+<a:theme xmlns:a="http://schemas.openxmlformats.org/drawingml/2006/main" name="simple-light">
   <a:themeElements>
     <a:clrScheme name="simple-light">
       <a:dk1>
@@ -4818,7 +4974,7 @@
       <a:effectStyleLst>
         <a:effectStyle>
           <a:effectLst>
-            <a:outerShdw sx="100000" sy="100000" kx="0" ky="0" algn="b" rotWithShape="0" blurRad="38100" dist="23000" dir="5400000">
+            <a:outerShdw blurRad="38100" dist="23000" dir="5400000" rotWithShape="0">
               <a:srgbClr val="000000">
                 <a:alpha val="35000"/>
               </a:srgbClr>
@@ -4827,7 +4983,7 @@
         </a:effectStyle>
         <a:effectStyle>
           <a:effectLst>
-            <a:outerShdw sx="100000" sy="100000" kx="0" ky="0" algn="b" rotWithShape="0" blurRad="38100" dist="23000" dir="5400000">
+            <a:outerShdw blurRad="38100" dist="23000" dir="5400000" rotWithShape="0">
               <a:srgbClr val="000000">
                 <a:alpha val="35000"/>
               </a:srgbClr>
@@ -4836,7 +4992,7 @@
         </a:effectStyle>
         <a:effectStyle>
           <a:effectLst>
-            <a:outerShdw sx="100000" sy="100000" kx="0" ky="0" algn="b" rotWithShape="0" blurRad="38100" dist="20000" dir="5400000">
+            <a:outerShdw blurRad="38100" dist="20000" dir="5400000" rotWithShape="0">
               <a:srgbClr val="000000">
                 <a:alpha val="38000"/>
               </a:srgbClr>
@@ -4910,7 +5066,7 @@
           <a:round/>
         </a:ln>
         <a:effectLst>
-          <a:outerShdw sx="100000" sy="100000" kx="0" ky="0" algn="b" rotWithShape="0" blurRad="38100" dist="23000" dir="5400000">
+          <a:outerShdw blurRad="38100" dist="23000" dir="5400000" rotWithShape="0">
             <a:srgbClr val="000000">
               <a:alpha val="35000"/>
             </a:srgbClr>
@@ -4918,7 +5074,7 @@
         </a:effectLst>
         <a:sp3d/>
       </a:spPr>
-      <a:bodyPr rot="0" spcFirstLastPara="1" vertOverflow="overflow" horzOverflow="overflow" vert="horz" wrap="square" lIns="45719" tIns="45719" rIns="45719" bIns="45719" numCol="1" spcCol="38100" rtlCol="0" anchor="ctr" upright="0">
+      <a:bodyPr rot="0" spcFirstLastPara="1" vertOverflow="overflow" horzOverflow="overflow" vert="horz" wrap="square" lIns="45719" tIns="45719" rIns="45719" bIns="45719" numCol="1" spcCol="38100" rtlCol="0" anchor="ctr">
         <a:spAutoFit/>
       </a:bodyPr>
       <a:lstStyle>
@@ -4937,7 +5093,7 @@
           <a:buFontTx/>
           <a:buNone/>
           <a:tabLst/>
-          <a:defRPr b="0" baseline="0" cap="none" i="0" spc="0" strike="noStrike" sz="1400" u="none" kumimoji="0" normalizeH="0">
+          <a:defRPr kumimoji="0" sz="1400" b="0" i="0" u="none" strike="noStrike" cap="none" spc="0" normalizeH="0" baseline="0">
             <a:ln>
               <a:noFill/>
             </a:ln>
@@ -4967,7 +5123,7 @@
           <a:buFontTx/>
           <a:buNone/>
           <a:tabLst/>
-          <a:defRPr b="0" baseline="0" cap="none" i="0" spc="0" strike="noStrike" sz="1800" u="none" kumimoji="0" normalizeH="0">
+          <a:defRPr kumimoji="0" sz="1800" b="0" i="0" u="none" strike="noStrike" cap="none" spc="0" normalizeH="0" baseline="0">
             <a:ln>
               <a:noFill/>
             </a:ln>
@@ -4993,7 +5149,7 @@
           <a:buFontTx/>
           <a:buNone/>
           <a:tabLst/>
-          <a:defRPr b="0" baseline="0" cap="none" i="0" spc="0" strike="noStrike" sz="1800" u="none" kumimoji="0" normalizeH="0">
+          <a:defRPr kumimoji="0" sz="1800" b="0" i="0" u="none" strike="noStrike" cap="none" spc="0" normalizeH="0" baseline="0">
             <a:ln>
               <a:noFill/>
             </a:ln>
@@ -5019,7 +5175,7 @@
           <a:buFontTx/>
           <a:buNone/>
           <a:tabLst/>
-          <a:defRPr b="0" baseline="0" cap="none" i="0" spc="0" strike="noStrike" sz="1800" u="none" kumimoji="0" normalizeH="0">
+          <a:defRPr kumimoji="0" sz="1800" b="0" i="0" u="none" strike="noStrike" cap="none" spc="0" normalizeH="0" baseline="0">
             <a:ln>
               <a:noFill/>
             </a:ln>
@@ -5045,7 +5201,7 @@
           <a:buFontTx/>
           <a:buNone/>
           <a:tabLst/>
-          <a:defRPr b="0" baseline="0" cap="none" i="0" spc="0" strike="noStrike" sz="1800" u="none" kumimoji="0" normalizeH="0">
+          <a:defRPr kumimoji="0" sz="1800" b="0" i="0" u="none" strike="noStrike" cap="none" spc="0" normalizeH="0" baseline="0">
             <a:ln>
               <a:noFill/>
             </a:ln>
@@ -5071,7 +5227,7 @@
           <a:buFontTx/>
           <a:buNone/>
           <a:tabLst/>
-          <a:defRPr b="0" baseline="0" cap="none" i="0" spc="0" strike="noStrike" sz="1800" u="none" kumimoji="0" normalizeH="0">
+          <a:defRPr kumimoji="0" sz="1800" b="0" i="0" u="none" strike="noStrike" cap="none" spc="0" normalizeH="0" baseline="0">
             <a:ln>
               <a:noFill/>
             </a:ln>
@@ -5097,7 +5253,7 @@
           <a:buFontTx/>
           <a:buNone/>
           <a:tabLst/>
-          <a:defRPr b="0" baseline="0" cap="none" i="0" spc="0" strike="noStrike" sz="1800" u="none" kumimoji="0" normalizeH="0">
+          <a:defRPr kumimoji="0" sz="1800" b="0" i="0" u="none" strike="noStrike" cap="none" spc="0" normalizeH="0" baseline="0">
             <a:ln>
               <a:noFill/>
             </a:ln>
@@ -5123,7 +5279,7 @@
           <a:buFontTx/>
           <a:buNone/>
           <a:tabLst/>
-          <a:defRPr b="0" baseline="0" cap="none" i="0" spc="0" strike="noStrike" sz="1800" u="none" kumimoji="0" normalizeH="0">
+          <a:defRPr kumimoji="0" sz="1800" b="0" i="0" u="none" strike="noStrike" cap="none" spc="0" normalizeH="0" baseline="0">
             <a:ln>
               <a:noFill/>
             </a:ln>
@@ -5149,7 +5305,7 @@
           <a:buFontTx/>
           <a:buNone/>
           <a:tabLst/>
-          <a:defRPr b="0" baseline="0" cap="none" i="0" spc="0" strike="noStrike" sz="1800" u="none" kumimoji="0" normalizeH="0">
+          <a:defRPr kumimoji="0" sz="1800" b="0" i="0" u="none" strike="noStrike" cap="none" spc="0" normalizeH="0" baseline="0">
             <a:ln>
               <a:noFill/>
             </a:ln>
@@ -5175,7 +5331,7 @@
           <a:buFontTx/>
           <a:buNone/>
           <a:tabLst/>
-          <a:defRPr b="0" baseline="0" cap="none" i="0" spc="0" strike="noStrike" sz="1800" u="none" kumimoji="0" normalizeH="0">
+          <a:defRPr kumimoji="0" sz="1800" b="0" i="0" u="none" strike="noStrike" cap="none" spc="0" normalizeH="0" baseline="0">
             <a:ln>
               <a:noFill/>
             </a:ln>
@@ -5188,9 +5344,15 @@
         </a:lvl9pPr>
       </a:lstStyle>
       <a:style>
-        <a:lnRef idx="0"/>
-        <a:fillRef idx="0"/>
-        <a:effectRef idx="0"/>
+        <a:lnRef idx="0">
+          <a:scrgbClr r="0" g="0" b="0"/>
+        </a:lnRef>
+        <a:fillRef idx="0">
+          <a:scrgbClr r="0" g="0" b="0"/>
+        </a:fillRef>
+        <a:effectRef idx="0">
+          <a:scrgbClr r="0" g="0" b="0"/>
+        </a:effectRef>
         <a:fontRef idx="none"/>
       </a:style>
     </a:spDef>
@@ -5205,7 +5367,7 @@
           <a:round/>
         </a:ln>
         <a:effectLst>
-          <a:outerShdw sx="100000" sy="100000" kx="0" ky="0" algn="b" rotWithShape="0" blurRad="38100" dist="20000" dir="5400000">
+          <a:outerShdw blurRad="38100" dist="20000" dir="5400000" rotWithShape="0">
             <a:srgbClr val="000000">
               <a:alpha val="38000"/>
             </a:srgbClr>
@@ -5213,7 +5375,7 @@
         </a:effectLst>
         <a:sp3d/>
       </a:spPr>
-      <a:bodyPr rot="0" spcFirstLastPara="1" vertOverflow="overflow" horzOverflow="overflow" vert="horz" wrap="square" lIns="91439" tIns="45719" rIns="91439" bIns="45719" numCol="1" spcCol="38100" rtlCol="0" anchor="t" upright="0">
+      <a:bodyPr rot="0" spcFirstLastPara="1" vertOverflow="overflow" horzOverflow="overflow" vert="horz" wrap="square" lIns="91439" tIns="45719" rIns="91439" bIns="45719" numCol="1" spcCol="38100" rtlCol="0" anchor="t">
         <a:noAutofit/>
       </a:bodyPr>
       <a:lstStyle>
@@ -5232,7 +5394,7 @@
           <a:buFontTx/>
           <a:buNone/>
           <a:tabLst/>
-          <a:defRPr b="0" baseline="0" cap="none" i="0" spc="0" strike="noStrike" sz="1800" u="none" kumimoji="0" normalizeH="0">
+          <a:defRPr kumimoji="0" sz="1800" b="0" i="0" u="none" strike="noStrike" cap="none" spc="0" normalizeH="0" baseline="0">
             <a:ln>
               <a:noFill/>
             </a:ln>
@@ -5258,7 +5420,7 @@
           <a:buFontTx/>
           <a:buNone/>
           <a:tabLst/>
-          <a:defRPr b="0" baseline="0" cap="none" i="0" spc="0" strike="noStrike" sz="1800" u="none" kumimoji="0" normalizeH="0">
+          <a:defRPr kumimoji="0" sz="1800" b="0" i="0" u="none" strike="noStrike" cap="none" spc="0" normalizeH="0" baseline="0">
             <a:ln>
               <a:noFill/>
             </a:ln>
@@ -5284,7 +5446,7 @@
           <a:buFontTx/>
           <a:buNone/>
           <a:tabLst/>
-          <a:defRPr b="0" baseline="0" cap="none" i="0" spc="0" strike="noStrike" sz="1800" u="none" kumimoji="0" normalizeH="0">
+          <a:defRPr kumimoji="0" sz="1800" b="0" i="0" u="none" strike="noStrike" cap="none" spc="0" normalizeH="0" baseline="0">
             <a:ln>
               <a:noFill/>
             </a:ln>
@@ -5310,7 +5472,7 @@
           <a:buFontTx/>
           <a:buNone/>
           <a:tabLst/>
-          <a:defRPr b="0" baseline="0" cap="none" i="0" spc="0" strike="noStrike" sz="1800" u="none" kumimoji="0" normalizeH="0">
+          <a:defRPr kumimoji="0" sz="1800" b="0" i="0" u="none" strike="noStrike" cap="none" spc="0" normalizeH="0" baseline="0">
             <a:ln>
               <a:noFill/>
             </a:ln>
@@ -5336,7 +5498,7 @@
           <a:buFontTx/>
           <a:buNone/>
           <a:tabLst/>
-          <a:defRPr b="0" baseline="0" cap="none" i="0" spc="0" strike="noStrike" sz="1800" u="none" kumimoji="0" normalizeH="0">
+          <a:defRPr kumimoji="0" sz="1800" b="0" i="0" u="none" strike="noStrike" cap="none" spc="0" normalizeH="0" baseline="0">
             <a:ln>
               <a:noFill/>
             </a:ln>
@@ -5362,7 +5524,7 @@
           <a:buFontTx/>
           <a:buNone/>
           <a:tabLst/>
-          <a:defRPr b="0" baseline="0" cap="none" i="0" spc="0" strike="noStrike" sz="1800" u="none" kumimoji="0" normalizeH="0">
+          <a:defRPr kumimoji="0" sz="1800" b="0" i="0" u="none" strike="noStrike" cap="none" spc="0" normalizeH="0" baseline="0">
             <a:ln>
               <a:noFill/>
             </a:ln>
@@ -5388,7 +5550,7 @@
           <a:buFontTx/>
           <a:buNone/>
           <a:tabLst/>
-          <a:defRPr b="0" baseline="0" cap="none" i="0" spc="0" strike="noStrike" sz="1800" u="none" kumimoji="0" normalizeH="0">
+          <a:defRPr kumimoji="0" sz="1800" b="0" i="0" u="none" strike="noStrike" cap="none" spc="0" normalizeH="0" baseline="0">
             <a:ln>
               <a:noFill/>
             </a:ln>
@@ -5414,7 +5576,7 @@
           <a:buFontTx/>
           <a:buNone/>
           <a:tabLst/>
-          <a:defRPr b="0" baseline="0" cap="none" i="0" spc="0" strike="noStrike" sz="1800" u="none" kumimoji="0" normalizeH="0">
+          <a:defRPr kumimoji="0" sz="1800" b="0" i="0" u="none" strike="noStrike" cap="none" spc="0" normalizeH="0" baseline="0">
             <a:ln>
               <a:noFill/>
             </a:ln>
@@ -5440,7 +5602,7 @@
           <a:buFontTx/>
           <a:buNone/>
           <a:tabLst/>
-          <a:defRPr b="0" baseline="0" cap="none" i="0" spc="0" strike="noStrike" sz="1800" u="none" kumimoji="0" normalizeH="0">
+          <a:defRPr kumimoji="0" sz="1800" b="0" i="0" u="none" strike="noStrike" cap="none" spc="0" normalizeH="0" baseline="0">
             <a:ln>
               <a:noFill/>
             </a:ln>
@@ -5466,7 +5628,7 @@
           <a:buFontTx/>
           <a:buNone/>
           <a:tabLst/>
-          <a:defRPr b="0" baseline="0" cap="none" i="0" spc="0" strike="noStrike" sz="1800" u="none" kumimoji="0" normalizeH="0">
+          <a:defRPr kumimoji="0" sz="1800" b="0" i="0" u="none" strike="noStrike" cap="none" spc="0" normalizeH="0" baseline="0">
             <a:ln>
               <a:noFill/>
             </a:ln>
@@ -5479,9 +5641,15 @@
         </a:lvl9pPr>
       </a:lstStyle>
       <a:style>
-        <a:lnRef idx="0"/>
-        <a:fillRef idx="0"/>
-        <a:effectRef idx="0"/>
+        <a:lnRef idx="0">
+          <a:scrgbClr r="0" g="0" b="0"/>
+        </a:lnRef>
+        <a:fillRef idx="0">
+          <a:scrgbClr r="0" g="0" b="0"/>
+        </a:fillRef>
+        <a:effectRef idx="0">
+          <a:scrgbClr r="0" g="0" b="0"/>
+        </a:effectRef>
         <a:fontRef idx="none"/>
       </a:style>
     </a:lnDef>
@@ -5495,7 +5663,7 @@
         <a:effectLst/>
         <a:sp3d/>
       </a:spPr>
-      <a:bodyPr rot="0" spcFirstLastPara="1" vertOverflow="overflow" horzOverflow="overflow" vert="horz" wrap="square" lIns="45719" tIns="45719" rIns="45719" bIns="45719" numCol="1" spcCol="38100" rtlCol="0" anchor="t" upright="0">
+      <a:bodyPr rot="0" spcFirstLastPara="1" vertOverflow="overflow" horzOverflow="overflow" vert="horz" wrap="square" lIns="45719" tIns="45719" rIns="45719" bIns="45719" numCol="1" spcCol="38100" rtlCol="0" anchor="t">
         <a:spAutoFit/>
       </a:bodyPr>
       <a:lstStyle>
@@ -5514,7 +5682,7 @@
           <a:buFontTx/>
           <a:buNone/>
           <a:tabLst/>
-          <a:defRPr b="0" baseline="0" cap="none" i="0" spc="0" strike="noStrike" sz="1400" u="none" kumimoji="0" normalizeH="0">
+          <a:defRPr kumimoji="0" sz="1400" b="0" i="0" u="none" strike="noStrike" cap="none" spc="0" normalizeH="0" baseline="0">
             <a:ln>
               <a:noFill/>
             </a:ln>
@@ -5544,7 +5712,7 @@
           <a:buFontTx/>
           <a:buNone/>
           <a:tabLst/>
-          <a:defRPr b="0" baseline="0" cap="none" i="0" spc="0" strike="noStrike" sz="1800" u="none" kumimoji="0" normalizeH="0">
+          <a:defRPr kumimoji="0" sz="1800" b="0" i="0" u="none" strike="noStrike" cap="none" spc="0" normalizeH="0" baseline="0">
             <a:ln>
               <a:noFill/>
             </a:ln>
@@ -5570,7 +5738,7 @@
           <a:buFontTx/>
           <a:buNone/>
           <a:tabLst/>
-          <a:defRPr b="0" baseline="0" cap="none" i="0" spc="0" strike="noStrike" sz="1800" u="none" kumimoji="0" normalizeH="0">
+          <a:defRPr kumimoji="0" sz="1800" b="0" i="0" u="none" strike="noStrike" cap="none" spc="0" normalizeH="0" baseline="0">
             <a:ln>
               <a:noFill/>
             </a:ln>
@@ -5596,7 +5764,7 @@
           <a:buFontTx/>
           <a:buNone/>
           <a:tabLst/>
-          <a:defRPr b="0" baseline="0" cap="none" i="0" spc="0" strike="noStrike" sz="1800" u="none" kumimoji="0" normalizeH="0">
+          <a:defRPr kumimoji="0" sz="1800" b="0" i="0" u="none" strike="noStrike" cap="none" spc="0" normalizeH="0" baseline="0">
             <a:ln>
               <a:noFill/>
             </a:ln>
@@ -5622,7 +5790,7 @@
           <a:buFontTx/>
           <a:buNone/>
           <a:tabLst/>
-          <a:defRPr b="0" baseline="0" cap="none" i="0" spc="0" strike="noStrike" sz="1800" u="none" kumimoji="0" normalizeH="0">
+          <a:defRPr kumimoji="0" sz="1800" b="0" i="0" u="none" strike="noStrike" cap="none" spc="0" normalizeH="0" baseline="0">
             <a:ln>
               <a:noFill/>
             </a:ln>
@@ -5648,7 +5816,7 @@
           <a:buFontTx/>
           <a:buNone/>
           <a:tabLst/>
-          <a:defRPr b="0" baseline="0" cap="none" i="0" spc="0" strike="noStrike" sz="1800" u="none" kumimoji="0" normalizeH="0">
+          <a:defRPr kumimoji="0" sz="1800" b="0" i="0" u="none" strike="noStrike" cap="none" spc="0" normalizeH="0" baseline="0">
             <a:ln>
               <a:noFill/>
             </a:ln>
@@ -5674,7 +5842,7 @@
           <a:buFontTx/>
           <a:buNone/>
           <a:tabLst/>
-          <a:defRPr b="0" baseline="0" cap="none" i="0" spc="0" strike="noStrike" sz="1800" u="none" kumimoji="0" normalizeH="0">
+          <a:defRPr kumimoji="0" sz="1800" b="0" i="0" u="none" strike="noStrike" cap="none" spc="0" normalizeH="0" baseline="0">
             <a:ln>
               <a:noFill/>
             </a:ln>
@@ -5700,7 +5868,7 @@
           <a:buFontTx/>
           <a:buNone/>
           <a:tabLst/>
-          <a:defRPr b="0" baseline="0" cap="none" i="0" spc="0" strike="noStrike" sz="1800" u="none" kumimoji="0" normalizeH="0">
+          <a:defRPr kumimoji="0" sz="1800" b="0" i="0" u="none" strike="noStrike" cap="none" spc="0" normalizeH="0" baseline="0">
             <a:ln>
               <a:noFill/>
             </a:ln>
@@ -5726,7 +5894,7 @@
           <a:buFontTx/>
           <a:buNone/>
           <a:tabLst/>
-          <a:defRPr b="0" baseline="0" cap="none" i="0" spc="0" strike="noStrike" sz="1800" u="none" kumimoji="0" normalizeH="0">
+          <a:defRPr kumimoji="0" sz="1800" b="0" i="0" u="none" strike="noStrike" cap="none" spc="0" normalizeH="0" baseline="0">
             <a:ln>
               <a:noFill/>
             </a:ln>
@@ -5752,7 +5920,7 @@
           <a:buFontTx/>
           <a:buNone/>
           <a:tabLst/>
-          <a:defRPr b="0" baseline="0" cap="none" i="0" spc="0" strike="noStrike" sz="1800" u="none" kumimoji="0" normalizeH="0">
+          <a:defRPr kumimoji="0" sz="1800" b="0" i="0" u="none" strike="noStrike" cap="none" spc="0" normalizeH="0" baseline="0">
             <a:ln>
               <a:noFill/>
             </a:ln>
@@ -5765,12 +5933,19 @@
         </a:lvl9pPr>
       </a:lstStyle>
       <a:style>
-        <a:lnRef idx="0"/>
-        <a:fillRef idx="0"/>
-        <a:effectRef idx="0"/>
+        <a:lnRef idx="0">
+          <a:scrgbClr r="0" g="0" b="0"/>
+        </a:lnRef>
+        <a:fillRef idx="0">
+          <a:scrgbClr r="0" g="0" b="0"/>
+        </a:fillRef>
+        <a:effectRef idx="0">
+          <a:scrgbClr r="0" g="0" b="0"/>
+        </a:effectRef>
         <a:fontRef idx="none"/>
       </a:style>
     </a:txDef>
   </a:objectDefaults>
+  <a:extraClrSchemeLst/>
 </a:theme>
 </file>